--- a/doc/c#_teach/c#_quize.pptx
+++ b/doc/c#_teach/c#_quize.pptx
@@ -5,24 +5,30 @@
     <p:sldMasterId id="2147484006" r:id="rId1"/>
   </p:sldMasterIdLst>
   <p:notesMasterIdLst>
-    <p:notesMasterId r:id="rId17"/>
+    <p:notesMasterId r:id="rId23"/>
   </p:notesMasterIdLst>
   <p:sldIdLst>
     <p:sldId id="256" r:id="rId2"/>
     <p:sldId id="284" r:id="rId3"/>
     <p:sldId id="285" r:id="rId4"/>
     <p:sldId id="286" r:id="rId5"/>
-    <p:sldId id="291" r:id="rId6"/>
-    <p:sldId id="292" r:id="rId7"/>
-    <p:sldId id="293" r:id="rId8"/>
-    <p:sldId id="294" r:id="rId9"/>
-    <p:sldId id="287" r:id="rId10"/>
-    <p:sldId id="288" r:id="rId11"/>
-    <p:sldId id="295" r:id="rId12"/>
-    <p:sldId id="296" r:id="rId13"/>
-    <p:sldId id="297" r:id="rId14"/>
-    <p:sldId id="289" r:id="rId15"/>
-    <p:sldId id="290" r:id="rId16"/>
+    <p:sldId id="292" r:id="rId6"/>
+    <p:sldId id="301" r:id="rId7"/>
+    <p:sldId id="287" r:id="rId8"/>
+    <p:sldId id="288" r:id="rId9"/>
+    <p:sldId id="295" r:id="rId10"/>
+    <p:sldId id="296" r:id="rId11"/>
+    <p:sldId id="297" r:id="rId12"/>
+    <p:sldId id="289" r:id="rId13"/>
+    <p:sldId id="290" r:id="rId14"/>
+    <p:sldId id="302" r:id="rId15"/>
+    <p:sldId id="298" r:id="rId16"/>
+    <p:sldId id="299" r:id="rId17"/>
+    <p:sldId id="300" r:id="rId18"/>
+    <p:sldId id="303" r:id="rId19"/>
+    <p:sldId id="304" r:id="rId20"/>
+    <p:sldId id="305" r:id="rId21"/>
+    <p:sldId id="306" r:id="rId22"/>
   </p:sldIdLst>
   <p:sldSz cx="12192000" cy="6858000"/>
   <p:notesSz cx="6858000" cy="9144000"/>
@@ -211,7 +217,7 @@
           <a:p>
             <a:fld id="{890C5448-3B99-490C-ADA0-94BB4B512256}" type="datetimeFigureOut">
               <a:rPr lang="en-US" smtClean="0"/>
-              <a:t>11/20/2017</a:t>
+              <a:t>11/22/2017</a:t>
             </a:fld>
             <a:endParaRPr lang="en-US"/>
           </a:p>
@@ -544,7 +550,7 @@
           <a:p>
             <a:fld id="{6F92FC1C-A7B5-41D9-AF5A-3078BF9C246A}" type="slidenum">
               <a:rPr lang="en-US" smtClean="0"/>
-              <a:t>11</a:t>
+              <a:t>9</a:t>
             </a:fld>
             <a:endParaRPr lang="en-US"/>
           </a:p>
@@ -628,7 +634,7 @@
           <a:p>
             <a:fld id="{6F92FC1C-A7B5-41D9-AF5A-3078BF9C246A}" type="slidenum">
               <a:rPr lang="en-US" smtClean="0"/>
-              <a:t>12</a:t>
+              <a:t>10</a:t>
             </a:fld>
             <a:endParaRPr lang="en-US"/>
           </a:p>
@@ -712,7 +718,7 @@
           <a:p>
             <a:fld id="{6F92FC1C-A7B5-41D9-AF5A-3078BF9C246A}" type="slidenum">
               <a:rPr lang="en-US" smtClean="0"/>
-              <a:t>13</a:t>
+              <a:t>11</a:t>
             </a:fld>
             <a:endParaRPr lang="en-US"/>
           </a:p>
@@ -1066,7 +1072,7 @@
           <a:p>
             <a:fld id="{5F2F6395-FEF5-46A5-9842-96D866342840}" type="datetimeFigureOut">
               <a:rPr lang="en-US" smtClean="0"/>
-              <a:t>11/20/2017</a:t>
+              <a:t>11/22/2017</a:t>
             </a:fld>
             <a:endParaRPr lang="en-US"/>
           </a:p>
@@ -2154,7 +2160,7 @@
           <a:p>
             <a:fld id="{5F2F6395-FEF5-46A5-9842-96D866342840}" type="datetimeFigureOut">
               <a:rPr lang="en-US" smtClean="0"/>
-              <a:t>11/20/2017</a:t>
+              <a:t>11/22/2017</a:t>
             </a:fld>
             <a:endParaRPr lang="en-US"/>
           </a:p>
@@ -3134,7 +3140,7 @@
           <a:p>
             <a:fld id="{5F2F6395-FEF5-46A5-9842-96D866342840}" type="datetimeFigureOut">
               <a:rPr lang="en-US" smtClean="0"/>
-              <a:t>11/20/2017</a:t>
+              <a:t>11/22/2017</a:t>
             </a:fld>
             <a:endParaRPr lang="en-US"/>
           </a:p>
@@ -4268,7 +4274,7 @@
           <a:p>
             <a:fld id="{5F2F6395-FEF5-46A5-9842-96D866342840}" type="datetimeFigureOut">
               <a:rPr lang="en-US" smtClean="0"/>
-              <a:t>11/20/2017</a:t>
+              <a:t>11/22/2017</a:t>
             </a:fld>
             <a:endParaRPr lang="en-US"/>
           </a:p>
@@ -5301,7 +5307,7 @@
           <a:p>
             <a:fld id="{5F2F6395-FEF5-46A5-9842-96D866342840}" type="datetimeFigureOut">
               <a:rPr lang="en-US" smtClean="0"/>
-              <a:t>11/20/2017</a:t>
+              <a:t>11/22/2017</a:t>
             </a:fld>
             <a:endParaRPr lang="en-US"/>
           </a:p>
@@ -5961,7 +5967,7 @@
           <a:p>
             <a:fld id="{5F2F6395-FEF5-46A5-9842-96D866342840}" type="datetimeFigureOut">
               <a:rPr lang="en-US" smtClean="0"/>
-              <a:t>11/20/2017</a:t>
+              <a:t>11/22/2017</a:t>
             </a:fld>
             <a:endParaRPr lang="en-US"/>
           </a:p>
@@ -6822,7 +6828,7 @@
           <a:p>
             <a:fld id="{5F2F6395-FEF5-46A5-9842-96D866342840}" type="datetimeFigureOut">
               <a:rPr lang="en-US" smtClean="0"/>
-              <a:t>11/20/2017</a:t>
+              <a:t>11/22/2017</a:t>
             </a:fld>
             <a:endParaRPr lang="en-US"/>
           </a:p>
@@ -7012,7 +7018,7 @@
           <a:p>
             <a:fld id="{5F2F6395-FEF5-46A5-9842-96D866342840}" type="datetimeFigureOut">
               <a:rPr lang="en-US" smtClean="0"/>
-              <a:t>11/20/2017</a:t>
+              <a:t>11/22/2017</a:t>
             </a:fld>
             <a:endParaRPr lang="en-US"/>
           </a:p>
@@ -7984,7 +7990,7 @@
           <a:p>
             <a:fld id="{5F2F6395-FEF5-46A5-9842-96D866342840}" type="datetimeFigureOut">
               <a:rPr lang="en-US" smtClean="0"/>
-              <a:t>11/20/2017</a:t>
+              <a:t>11/22/2017</a:t>
             </a:fld>
             <a:endParaRPr lang="en-US"/>
           </a:p>
@@ -9305,7 +9311,7 @@
           <a:p>
             <a:fld id="{5F2F6395-FEF5-46A5-9842-96D866342840}" type="datetimeFigureOut">
               <a:rPr lang="en-US" smtClean="0"/>
-              <a:t>11/20/2017</a:t>
+              <a:t>11/22/2017</a:t>
             </a:fld>
             <a:endParaRPr lang="en-US"/>
           </a:p>
@@ -9577,7 +9583,7 @@
           <a:p>
             <a:fld id="{5F2F6395-FEF5-46A5-9842-96D866342840}" type="datetimeFigureOut">
               <a:rPr lang="en-US" smtClean="0"/>
-              <a:t>11/20/2017</a:t>
+              <a:t>11/22/2017</a:t>
             </a:fld>
             <a:endParaRPr lang="en-US"/>
           </a:p>
@@ -9987,7 +9993,7 @@
           <a:p>
             <a:fld id="{5F2F6395-FEF5-46A5-9842-96D866342840}" type="datetimeFigureOut">
               <a:rPr lang="en-US" smtClean="0"/>
-              <a:t>11/20/2017</a:t>
+              <a:t>11/22/2017</a:t>
             </a:fld>
             <a:endParaRPr lang="en-US"/>
           </a:p>
@@ -10114,7 +10120,7 @@
           <a:p>
             <a:fld id="{5F2F6395-FEF5-46A5-9842-96D866342840}" type="datetimeFigureOut">
               <a:rPr lang="en-US" smtClean="0"/>
-              <a:t>11/20/2017</a:t>
+              <a:t>11/22/2017</a:t>
             </a:fld>
             <a:endParaRPr lang="en-US"/>
           </a:p>
@@ -10209,7 +10215,7 @@
           <a:p>
             <a:fld id="{5F2F6395-FEF5-46A5-9842-96D866342840}" type="datetimeFigureOut">
               <a:rPr lang="en-US" smtClean="0"/>
-              <a:t>11/20/2017</a:t>
+              <a:t>11/22/2017</a:t>
             </a:fld>
             <a:endParaRPr lang="en-US"/>
           </a:p>
@@ -11290,7 +11296,7 @@
           <a:p>
             <a:fld id="{5F2F6395-FEF5-46A5-9842-96D866342840}" type="datetimeFigureOut">
               <a:rPr lang="en-US" smtClean="0"/>
-              <a:t>11/20/2017</a:t>
+              <a:t>11/22/2017</a:t>
             </a:fld>
             <a:endParaRPr lang="en-US"/>
           </a:p>
@@ -12398,7 +12404,7 @@
           <a:p>
             <a:fld id="{5F2F6395-FEF5-46A5-9842-96D866342840}" type="datetimeFigureOut">
               <a:rPr lang="en-US" smtClean="0"/>
-              <a:t>11/20/2017</a:t>
+              <a:t>11/22/2017</a:t>
             </a:fld>
             <a:endParaRPr lang="en-US"/>
           </a:p>
@@ -13395,7 +13401,7 @@
           <a:p>
             <a:fld id="{5F2F6395-FEF5-46A5-9842-96D866342840}" type="datetimeFigureOut">
               <a:rPr lang="en-US" smtClean="0"/>
-              <a:t>11/20/2017</a:t>
+              <a:t>11/22/2017</a:t>
             </a:fld>
             <a:endParaRPr lang="en-US"/>
           </a:p>
@@ -14003,14 +14009,19 @@
             <p:ph type="subTitle" idx="1"/>
           </p:nvPr>
         </p:nvSpPr>
-        <p:spPr/>
+        <p:spPr>
+          <a:xfrm>
+            <a:off x="7580243" y="4777380"/>
+            <a:ext cx="2400370" cy="861420"/>
+          </a:xfrm>
+        </p:spPr>
         <p:txBody>
           <a:bodyPr/>
           <a:lstStyle/>
           <a:p>
             <a:pPr algn="r"/>
             <a:r>
-              <a:rPr lang="fa-IR" dirty="0" smtClean="0">
+              <a:rPr lang="fa-IR" sz="2400" dirty="0" smtClean="0">
                 <a:solidFill>
                   <a:schemeClr val="bg1"/>
                 </a:solidFill>
@@ -14292,6 +14303,83 @@
                   </a:srgbClr>
                 </a:outerShdw>
               </a:effectLst>
+              <a:cs typeface="B Nazanin" panose="00000400000000000000" pitchFamily="2" charset="-78"/>
+            </a:endParaRPr>
+          </a:p>
+        </p:txBody>
+      </p:sp>
+      <p:sp>
+        <p:nvSpPr>
+          <p:cNvPr id="6" name="TextBox 5"/>
+          <p:cNvSpPr txBox="1"/>
+          <p:nvPr/>
+        </p:nvSpPr>
+        <p:spPr>
+          <a:xfrm>
+            <a:off x="630275" y="5433391"/>
+            <a:ext cx="4697099" cy="646331"/>
+          </a:xfrm>
+          <a:prstGeom prst="rect">
+            <a:avLst/>
+          </a:prstGeom>
+          <a:noFill/>
+        </p:spPr>
+        <p:txBody>
+          <a:bodyPr wrap="square" rtlCol="0">
+            <a:spAutoFit/>
+          </a:bodyPr>
+          <a:lstStyle/>
+          <a:p>
+            <a:pPr algn="r" rtl="1"/>
+            <a:r>
+              <a:rPr lang="fa-IR" dirty="0">
+                <a:solidFill>
+                  <a:schemeClr val="bg1"/>
+                </a:solidFill>
+                <a:cs typeface="B Nazanin" panose="00000400000000000000" pitchFamily="2" charset="-78"/>
+              </a:rPr>
+              <a:t>تنظیم: سهیل </a:t>
+            </a:r>
+            <a:r>
+              <a:rPr lang="fa-IR" dirty="0" smtClean="0">
+                <a:solidFill>
+                  <a:schemeClr val="bg1"/>
+                </a:solidFill>
+                <a:cs typeface="B Nazanin" panose="00000400000000000000" pitchFamily="2" charset="-78"/>
+              </a:rPr>
+              <a:t>رمضانزاده (</a:t>
+            </a:r>
+            <a:r>
+              <a:rPr lang="en-US" dirty="0" smtClean="0">
+                <a:solidFill>
+                  <a:schemeClr val="bg1"/>
+                </a:solidFill>
+                <a:cs typeface="B Nazanin" panose="00000400000000000000" pitchFamily="2" charset="-78"/>
+              </a:rPr>
+              <a:t>soheillamso@gmail.com</a:t>
+            </a:r>
+            <a:r>
+              <a:rPr lang="fa-IR" dirty="0" smtClean="0">
+                <a:solidFill>
+                  <a:schemeClr val="bg1"/>
+                </a:solidFill>
+                <a:cs typeface="B Nazanin" panose="00000400000000000000" pitchFamily="2" charset="-78"/>
+              </a:rPr>
+              <a:t>)</a:t>
+            </a:r>
+            <a:endParaRPr lang="en-US" dirty="0">
+              <a:solidFill>
+                <a:schemeClr val="bg1"/>
+              </a:solidFill>
+              <a:cs typeface="B Nazanin" panose="00000400000000000000" pitchFamily="2" charset="-78"/>
+            </a:endParaRPr>
+          </a:p>
+          <a:p>
+            <a:pPr algn="r" rtl="1"/>
+            <a:endParaRPr lang="en-US" dirty="0">
+              <a:solidFill>
+                <a:schemeClr val="bg1"/>
+              </a:solidFill>
               <a:cs typeface="B Nazanin" panose="00000400000000000000" pitchFamily="2" charset="-78"/>
             </a:endParaRPr>
           </a:p>
@@ -14336,6 +14424,29 @@
       </p:grpSpPr>
       <p:sp>
         <p:nvSpPr>
+          <p:cNvPr id="2" name="Title 1"/>
+          <p:cNvSpPr>
+            <a:spLocks noGrp="1"/>
+          </p:cNvSpPr>
+          <p:nvPr>
+            <p:ph type="title"/>
+          </p:nvPr>
+        </p:nvSpPr>
+        <p:spPr/>
+        <p:txBody>
+          <a:bodyPr/>
+          <a:lstStyle/>
+          <a:p>
+            <a:r>
+              <a:rPr lang="fa-IR" dirty="0" smtClean="0"/>
+              <a:t>پرسش</a:t>
+            </a:r>
+            <a:endParaRPr lang="en-US" dirty="0"/>
+          </a:p>
+        </p:txBody>
+      </p:sp>
+      <p:sp>
+        <p:nvSpPr>
           <p:cNvPr id="3" name="Content Placeholder 2"/>
           <p:cNvSpPr>
             <a:spLocks noGrp="1"/>
@@ -14346,19 +14457,27 @@
         </p:nvSpPr>
         <p:spPr>
           <a:xfrm>
-            <a:off x="561110" y="2305878"/>
-            <a:ext cx="11082593" cy="4552121"/>
+            <a:off x="561110" y="2279374"/>
+            <a:ext cx="11082593" cy="4578625"/>
           </a:xfrm>
         </p:spPr>
         <p:txBody>
           <a:bodyPr>
-            <a:normAutofit lnSpcReduction="10000"/>
+            <a:normAutofit/>
           </a:bodyPr>
           <a:lstStyle/>
           <a:p>
             <a:r>
-              <a:rPr lang="fa-IR" sz="2800" dirty="0" smtClean="0"/>
-              <a:t>ادامه سری ۲</a:t>
+              <a:rPr lang="fa-IR" dirty="0" smtClean="0"/>
+              <a:t>ادامه</a:t>
+            </a:r>
+            <a:r>
+              <a:rPr lang="en-US" dirty="0" smtClean="0"/>
+              <a:t> </a:t>
+            </a:r>
+            <a:r>
+              <a:rPr lang="fa-IR" dirty="0" smtClean="0"/>
+              <a:t>سوالات سری 2</a:t>
             </a:r>
           </a:p>
           <a:p>
@@ -14367,111 +14486,169 @@
             </a:pPr>
             <a:r>
               <a:rPr lang="fa-IR" dirty="0" smtClean="0"/>
-              <a:t>5- متغیر داده ای برای زمان چیست؟</a:t>
-            </a:r>
-          </a:p>
-          <a:p>
-            <a:pPr marL="0" indent="0">
-              <a:buNone/>
-            </a:pPr>
+              <a:t>12- در مثال زیر مقدار متغیر </a:t>
+            </a:r>
+            <a:r>
+              <a:rPr lang="en-US" dirty="0" smtClean="0"/>
+              <a:t>str2</a:t>
+            </a:r>
             <a:r>
               <a:rPr lang="fa-IR" dirty="0" smtClean="0"/>
-              <a:t>6- کد زیر را اصلاح کنید؟</a:t>
-            </a:r>
-          </a:p>
-          <a:p>
-            <a:pPr marL="0" indent="0" algn="l">
-              <a:buNone/>
-            </a:pPr>
-            <a:r>
-              <a:rPr lang="en-US" dirty="0" err="1" smtClean="0"/>
-              <a:t>MessageBox.Show</a:t>
-            </a:r>
-            <a:r>
-              <a:rPr lang="en-US" dirty="0" smtClean="0"/>
-              <a:t>(</a:t>
-            </a:r>
-            <a:r>
-              <a:rPr lang="en-US" dirty="0" err="1" smtClean="0"/>
-              <a:t>DateTime.Now</a:t>
-            </a:r>
-            <a:r>
-              <a:rPr lang="en-US" dirty="0" smtClean="0"/>
-              <a:t>);</a:t>
-            </a:r>
-            <a:endParaRPr lang="fa-IR" dirty="0" smtClean="0"/>
-          </a:p>
-          <a:p>
-            <a:pPr marL="0" indent="0">
-              <a:buNone/>
-            </a:pPr>
-            <a:r>
-              <a:rPr lang="en-US" sz="2200" dirty="0" smtClean="0"/>
-              <a:t> </a:t>
-            </a:r>
-            <a:r>
-              <a:rPr lang="fa-IR" dirty="0"/>
-              <a:t>7-کد زیر چه خطایی دارد؟</a:t>
+              <a:t> برابر چیست؟</a:t>
             </a:r>
           </a:p>
           <a:p>
             <a:pPr marL="0" indent="0" algn="l" rtl="0">
               <a:lnSpc>
-                <a:spcPct val="120000"/>
+                <a:spcPct val="110000"/>
               </a:lnSpc>
+              <a:spcBef>
+                <a:spcPts val="0"/>
+              </a:spcBef>
+              <a:spcAft>
+                <a:spcPts val="0"/>
+              </a:spcAft>
               <a:buNone/>
             </a:pPr>
             <a:r>
-              <a:rPr lang="en-US" sz="2200" dirty="0" smtClean="0"/>
-              <a:t>double m: </a:t>
-            </a:r>
-            <a:r>
-              <a:rPr lang="en-US" sz="2200" dirty="0" err="1" smtClean="0"/>
-              <a:t>DateTime.Now.Month</a:t>
-            </a:r>
-            <a:r>
-              <a:rPr lang="en-US" sz="2200" dirty="0" smtClean="0"/>
-              <a:t>;</a:t>
-            </a:r>
+              <a:rPr lang="en-US" sz="2000" dirty="0"/>
+              <a:t>String </a:t>
+            </a:r>
+            <a:r>
+              <a:rPr lang="en-US" sz="2000" dirty="0" err="1"/>
+              <a:t>str</a:t>
+            </a:r>
+            <a:r>
+              <a:rPr lang="en-US" sz="2000" dirty="0" smtClean="0"/>
+              <a:t>=“</a:t>
+            </a:r>
+            <a:r>
+              <a:rPr lang="en-US" sz="2000" dirty="0" err="1" smtClean="0"/>
+              <a:t>mohsen</a:t>
+            </a:r>
+            <a:r>
+              <a:rPr lang="en-US" sz="2000" dirty="0" smtClean="0"/>
+              <a:t>”;</a:t>
+            </a:r>
+            <a:endParaRPr lang="en-US" sz="2000" dirty="0"/>
           </a:p>
           <a:p>
             <a:pPr marL="0" indent="0" algn="l" rtl="0">
               <a:lnSpc>
-                <a:spcPct val="120000"/>
+                <a:spcPct val="110000"/>
               </a:lnSpc>
+              <a:spcBef>
+                <a:spcPts val="0"/>
+              </a:spcBef>
+              <a:spcAft>
+                <a:spcPts val="0"/>
+              </a:spcAft>
               <a:buNone/>
             </a:pPr>
             <a:r>
-              <a:rPr lang="en-US" sz="2200" dirty="0" smtClean="0"/>
-              <a:t>string n= m+1</a:t>
-            </a:r>
-            <a:endParaRPr lang="en-US" sz="2200" dirty="0"/>
-          </a:p>
-        </p:txBody>
-      </p:sp>
-      <p:sp>
-        <p:nvSpPr>
-          <p:cNvPr id="6" name="Title 1"/>
-          <p:cNvSpPr>
-            <a:spLocks noGrp="1"/>
-          </p:cNvSpPr>
-          <p:nvPr>
-            <p:ph type="title"/>
-          </p:nvPr>
-        </p:nvSpPr>
-        <p:spPr>
-          <a:xfrm>
-            <a:off x="1154954" y="973668"/>
-            <a:ext cx="8761413" cy="706964"/>
-          </a:xfrm>
-        </p:spPr>
-        <p:txBody>
-          <a:bodyPr/>
-          <a:lstStyle/>
-          <a:p>
+              <a:rPr lang="en-US" sz="2000" dirty="0" smtClean="0"/>
+              <a:t>String str2=</a:t>
+            </a:r>
+            <a:r>
+              <a:rPr lang="en-US" sz="2000" dirty="0" err="1" smtClean="0"/>
+              <a:t>str.Substring</a:t>
+            </a:r>
+            <a:r>
+              <a:rPr lang="en-US" sz="2000" dirty="0" smtClean="0"/>
+              <a:t>(2,3);</a:t>
+            </a:r>
+          </a:p>
+          <a:p>
+            <a:pPr marL="0" indent="0">
+              <a:buNone/>
+            </a:pPr>
             <a:r>
               <a:rPr lang="fa-IR" dirty="0" smtClean="0"/>
-              <a:t>پرسش</a:t>
+              <a:t>13- با دستور </a:t>
+            </a:r>
+            <a:r>
+              <a:rPr lang="en-US" dirty="0" smtClean="0"/>
+              <a:t>Replace</a:t>
+            </a:r>
+            <a:r>
+              <a:rPr lang="fa-IR" dirty="0" smtClean="0"/>
+              <a:t> یک خط که به کد زیر اضافه کند تا متغیر </a:t>
+            </a:r>
+            <a:r>
+              <a:rPr lang="en-US" dirty="0" err="1" smtClean="0"/>
+              <a:t>str</a:t>
+            </a:r>
+            <a:r>
+              <a:rPr lang="fa-IR" dirty="0" smtClean="0"/>
+              <a:t> برابر </a:t>
+            </a:r>
+            <a:r>
+              <a:rPr lang="en-US" dirty="0" smtClean="0"/>
+              <a:t>“</a:t>
+            </a:r>
+            <a:r>
+              <a:rPr lang="en-US" dirty="0" err="1" smtClean="0"/>
+              <a:t>bita</a:t>
+            </a:r>
+            <a:r>
+              <a:rPr lang="en-US" dirty="0" smtClean="0"/>
+              <a:t>”</a:t>
+            </a:r>
+            <a:r>
+              <a:rPr lang="fa-IR" dirty="0" smtClean="0"/>
+              <a:t>شود.</a:t>
+            </a:r>
+          </a:p>
+          <a:p>
+            <a:pPr marL="0" indent="0" algn="l" rtl="0">
+              <a:lnSpc>
+                <a:spcPct val="110000"/>
+              </a:lnSpc>
+              <a:spcBef>
+                <a:spcPts val="0"/>
+              </a:spcBef>
+              <a:spcAft>
+                <a:spcPts val="0"/>
+              </a:spcAft>
+              <a:buNone/>
+            </a:pPr>
+            <a:r>
+              <a:rPr lang="en-US" sz="2000" dirty="0" smtClean="0"/>
+              <a:t>String </a:t>
+            </a:r>
+            <a:r>
+              <a:rPr lang="en-US" sz="2000" dirty="0" err="1" smtClean="0"/>
+              <a:t>str</a:t>
+            </a:r>
+            <a:r>
+              <a:rPr lang="en-US" sz="2000" dirty="0" smtClean="0"/>
+              <a:t>=“</a:t>
+            </a:r>
+            <a:r>
+              <a:rPr lang="en-US" sz="2000" dirty="0" err="1" smtClean="0"/>
+              <a:t>sina</a:t>
+            </a:r>
+            <a:r>
+              <a:rPr lang="en-US" sz="2000" dirty="0" smtClean="0"/>
+              <a:t>”;</a:t>
+            </a:r>
+          </a:p>
+          <a:p>
+            <a:pPr marL="0" indent="0">
+              <a:buNone/>
+            </a:pPr>
+            <a:r>
+              <a:rPr lang="fa-IR" dirty="0" smtClean="0"/>
+              <a:t>14- برای اینکه یک متغیر صحیح را برابر با یک متغیر اعشاری قرار دهیم چه کار باید کرد؟ به این کار چه می گویند؟</a:t>
+            </a:r>
+          </a:p>
+          <a:p>
+            <a:pPr marL="0" indent="0">
+              <a:buNone/>
+            </a:pPr>
+            <a:r>
+              <a:rPr lang="fa-IR" dirty="0" smtClean="0"/>
+              <a:t>15- کدی بنویسید که تاریخ و زمان فعلی را نمایش دهد.</a:t>
             </a:r>
             <a:endParaRPr lang="en-US" dirty="0"/>
           </a:p>
@@ -14480,7 +14657,7 @@
     </p:spTree>
     <p:extLst>
       <p:ext uri="{BB962C8B-B14F-4D97-AF65-F5344CB8AC3E}">
-        <p14:creationId xmlns:p14="http://schemas.microsoft.com/office/powerpoint/2010/main" val="1492274913"/>
+        <p14:creationId xmlns:p14="http://schemas.microsoft.com/office/powerpoint/2010/main" val="757622591"/>
       </p:ext>
     </p:extLst>
   </p:cSld>
@@ -14555,67 +14732,30 @@
         </p:spPr>
         <p:txBody>
           <a:bodyPr>
-            <a:normAutofit lnSpcReduction="10000"/>
+            <a:normAutofit/>
           </a:bodyPr>
           <a:lstStyle/>
           <a:p>
             <a:r>
               <a:rPr lang="fa-IR" dirty="0" smtClean="0"/>
-              <a:t>سوالات سری 2</a:t>
-            </a:r>
-          </a:p>
-          <a:p>
-            <a:pPr marL="457200" indent="-457200">
-              <a:buFont typeface="+mj-lt"/>
-              <a:buAutoNum type="arabicPeriod"/>
+              <a:t>ادامه</a:t>
+            </a:r>
+            <a:r>
+              <a:rPr lang="en-US" dirty="0" smtClean="0"/>
+              <a:t> </a:t>
+            </a:r>
+            <a:r>
+              <a:rPr lang="fa-IR" dirty="0" smtClean="0"/>
+              <a:t>سوالات سری 2 (ازمون2)</a:t>
+            </a:r>
+          </a:p>
+          <a:p>
+            <a:pPr marL="0" indent="0">
+              <a:buNone/>
             </a:pPr>
             <a:r>
               <a:rPr lang="fa-IR" dirty="0" smtClean="0"/>
-              <a:t>متغیر رشته ای (متنی) در چه نوع داده ای ذخیره می شود؟</a:t>
-            </a:r>
-          </a:p>
-          <a:p>
-            <a:pPr marL="457200" indent="-457200">
-              <a:buFont typeface="+mj-lt"/>
-              <a:buAutoNum type="arabicPeriod"/>
-            </a:pPr>
-            <a:r>
-              <a:rPr lang="fa-IR" dirty="0" smtClean="0"/>
-              <a:t>نوع داده ای </a:t>
-            </a:r>
-            <a:r>
-              <a:rPr lang="en-US" dirty="0" err="1" smtClean="0"/>
-              <a:t>int</a:t>
-            </a:r>
-            <a:r>
-              <a:rPr lang="fa-IR" dirty="0" smtClean="0"/>
-              <a:t> با </a:t>
-            </a:r>
-            <a:r>
-              <a:rPr lang="en-US" dirty="0" smtClean="0"/>
-              <a:t>double</a:t>
-            </a:r>
-            <a:r>
-              <a:rPr lang="fa-IR" dirty="0" smtClean="0"/>
-              <a:t> چه تفاوتی دارد؟</a:t>
-            </a:r>
-          </a:p>
-          <a:p>
-            <a:pPr marL="457200" indent="-457200">
-              <a:buFont typeface="+mj-lt"/>
-              <a:buAutoNum type="arabicPeriod"/>
-            </a:pPr>
-            <a:r>
-              <a:rPr lang="fa-IR" dirty="0" smtClean="0"/>
-              <a:t>در مثال زیر متغیر </a:t>
-            </a:r>
-            <a:r>
-              <a:rPr lang="en-US" dirty="0" smtClean="0"/>
-              <a:t>n</a:t>
-            </a:r>
-            <a:r>
-              <a:rPr lang="fa-IR" dirty="0" smtClean="0"/>
-              <a:t> برابر چه مقداری است؟</a:t>
+              <a:t>16- متغیر های زیر را به دلخواه مقدار دهی اولیه کنید.</a:t>
             </a:r>
           </a:p>
           <a:p>
@@ -14632,7 +14772,7 @@
               <a:buNone/>
             </a:pPr>
             <a:r>
-              <a:rPr lang="en-US" sz="2000" dirty="0" smtClean="0"/>
+              <a:rPr lang="en-US" sz="2000" dirty="0"/>
               <a:t>String </a:t>
             </a:r>
             <a:r>
@@ -14640,18 +14780,9 @@
               <a:t>str</a:t>
             </a:r>
             <a:r>
-              <a:rPr lang="en-US" sz="2000" dirty="0" smtClean="0"/>
-              <a:t>=“</a:t>
-            </a:r>
-            <a:r>
-              <a:rPr lang="en-US" sz="2000" dirty="0" err="1" smtClean="0"/>
-              <a:t>ali</a:t>
-            </a:r>
-            <a:r>
-              <a:rPr lang="en-US" sz="2000" dirty="0" smtClean="0"/>
-              <a:t>”;</a:t>
-            </a:r>
-            <a:endParaRPr lang="en-US" sz="2000" dirty="0"/>
+              <a:rPr lang="en-US" sz="2000" dirty="0"/>
+              <a:t>=</a:t>
+            </a:r>
           </a:p>
           <a:p>
             <a:pPr marL="0" indent="0" algn="l" rtl="0">
@@ -14668,37 +14799,11 @@
             </a:pPr>
             <a:r>
               <a:rPr lang="en-US" sz="2000" dirty="0" err="1" smtClean="0"/>
-              <a:t>Int</a:t>
+              <a:t>int</a:t>
             </a:r>
             <a:r>
               <a:rPr lang="en-US" sz="2000" dirty="0" smtClean="0"/>
               <a:t> n=</a:t>
-            </a:r>
-            <a:r>
-              <a:rPr lang="en-US" sz="2000" dirty="0" err="1" smtClean="0"/>
-              <a:t>str.Length</a:t>
-            </a:r>
-            <a:r>
-              <a:rPr lang="en-US" sz="2000" dirty="0" smtClean="0"/>
-              <a:t>;</a:t>
-            </a:r>
-          </a:p>
-          <a:p>
-            <a:pPr marL="457200" indent="-457200">
-              <a:buFont typeface="+mj-lt"/>
-              <a:buAutoNum type="arabicPeriod" startAt="4"/>
-            </a:pPr>
-            <a:r>
-              <a:rPr lang="fa-IR" dirty="0"/>
-              <a:t>در مثال زیر متغیر </a:t>
-            </a:r>
-            <a:r>
-              <a:rPr lang="en-US" dirty="0"/>
-              <a:t>n</a:t>
-            </a:r>
-            <a:r>
-              <a:rPr lang="fa-IR" dirty="0"/>
-              <a:t> برابر چه مقداری است؟</a:t>
             </a:r>
           </a:p>
           <a:p>
@@ -14715,34 +14820,9 @@
               <a:buNone/>
             </a:pPr>
             <a:r>
-              <a:rPr lang="en-US" sz="2000" dirty="0"/>
-              <a:t>String </a:t>
-            </a:r>
-            <a:r>
-              <a:rPr lang="en-US" sz="2000" dirty="0" err="1"/>
-              <a:t>str</a:t>
-            </a:r>
-            <a:r>
-              <a:rPr lang="en-US" sz="2000" dirty="0"/>
-              <a:t>=“</a:t>
-            </a:r>
-            <a:r>
-              <a:rPr lang="en-US" sz="2000" dirty="0" err="1" smtClean="0"/>
-              <a:t>ali</a:t>
-            </a:r>
-            <a:r>
               <a:rPr lang="en-US" sz="2000" dirty="0" smtClean="0"/>
-              <a:t> </a:t>
-            </a:r>
-            <a:r>
-              <a:rPr lang="en-US" sz="2000" dirty="0" err="1" smtClean="0"/>
-              <a:t>reza</a:t>
-            </a:r>
-            <a:r>
-              <a:rPr lang="en-US" sz="2000" dirty="0" smtClean="0"/>
-              <a:t>”;</a:t>
-            </a:r>
-            <a:endParaRPr lang="en-US" sz="2000" dirty="0"/>
+              <a:t>double m=</a:t>
+            </a:r>
           </a:p>
           <a:p>
             <a:pPr marL="0" indent="0" algn="l" rtl="0">
@@ -14758,65 +14838,26 @@
               <a:buNone/>
             </a:pPr>
             <a:r>
-              <a:rPr lang="en-US" sz="2000" dirty="0" err="1"/>
-              <a:t>Int</a:t>
-            </a:r>
-            <a:r>
-              <a:rPr lang="en-US" sz="2000" dirty="0"/>
-              <a:t> n=</a:t>
-            </a:r>
-            <a:r>
-              <a:rPr lang="en-US" sz="2000" dirty="0" err="1"/>
-              <a:t>str.Length</a:t>
-            </a:r>
-            <a:r>
-              <a:rPr lang="en-US" sz="2000" dirty="0"/>
-              <a:t>;</a:t>
-            </a:r>
-          </a:p>
-          <a:p>
-            <a:pPr marL="0" indent="0" algn="l" rtl="0">
-              <a:lnSpc>
-                <a:spcPct val="110000"/>
-              </a:lnSpc>
-              <a:spcBef>
-                <a:spcPts val="0"/>
-              </a:spcBef>
-              <a:spcAft>
-                <a:spcPts val="0"/>
-              </a:spcAft>
-              <a:buNone/>
-            </a:pPr>
-            <a:endParaRPr lang="en-US" sz="1800" dirty="0"/>
-          </a:p>
-          <a:p>
-            <a:pPr marL="0" indent="0" algn="l" rtl="0">
-              <a:lnSpc>
-                <a:spcPct val="110000"/>
-              </a:lnSpc>
-              <a:spcBef>
-                <a:spcPts val="0"/>
-              </a:spcBef>
-              <a:spcAft>
-                <a:spcPts val="0"/>
-              </a:spcAft>
-              <a:buNone/>
-            </a:pPr>
-            <a:endParaRPr lang="fa-IR" sz="1800" dirty="0"/>
-          </a:p>
-          <a:p>
-            <a:pPr marL="0" indent="0" algn="l" rtl="0">
+              <a:rPr lang="en-US" sz="2000" dirty="0" err="1" smtClean="0"/>
+              <a:t>DateTime</a:t>
+            </a:r>
+            <a:r>
+              <a:rPr lang="en-US" sz="2000" dirty="0" smtClean="0"/>
+              <a:t> d=</a:t>
+            </a:r>
+            <a:endParaRPr lang="en-US" sz="2000" dirty="0"/>
+          </a:p>
+          <a:p>
+            <a:pPr marL="0" indent="0">
               <a:buNone/>
             </a:pPr>
             <a:endParaRPr lang="fa-IR" dirty="0" smtClean="0"/>
           </a:p>
           <a:p>
-            <a:pPr marL="0" indent="0">
-              <a:buNone/>
+            <a:pPr marL="457200" indent="-457200">
+              <a:buFont typeface="+mj-lt"/>
+              <a:buAutoNum type="arabicPeriod" startAt="8"/>
             </a:pPr>
-            <a:endParaRPr lang="fa-IR" dirty="0" smtClean="0"/>
-          </a:p>
-          <a:p>
             <a:endParaRPr lang="en-US" dirty="0"/>
           </a:p>
         </p:txBody>
@@ -14824,7 +14865,7 @@
     </p:spTree>
     <p:extLst>
       <p:ext uri="{BB962C8B-B14F-4D97-AF65-F5344CB8AC3E}">
-        <p14:creationId xmlns:p14="http://schemas.microsoft.com/office/powerpoint/2010/main" val="3030166039"/>
+        <p14:creationId xmlns:p14="http://schemas.microsoft.com/office/powerpoint/2010/main" val="1591937415"/>
       </p:ext>
     </p:extLst>
   </p:cSld>
@@ -14860,29 +14901,6 @@
       </p:grpSpPr>
       <p:sp>
         <p:nvSpPr>
-          <p:cNvPr id="2" name="Title 1"/>
-          <p:cNvSpPr>
-            <a:spLocks noGrp="1"/>
-          </p:cNvSpPr>
-          <p:nvPr>
-            <p:ph type="title"/>
-          </p:nvPr>
-        </p:nvSpPr>
-        <p:spPr/>
-        <p:txBody>
-          <a:bodyPr/>
-          <a:lstStyle/>
-          <a:p>
-            <a:r>
-              <a:rPr lang="fa-IR" dirty="0" smtClean="0"/>
-              <a:t>پرسش</a:t>
-            </a:r>
-            <a:endParaRPr lang="en-US" dirty="0"/>
-          </a:p>
-        </p:txBody>
-      </p:sp>
-      <p:sp>
-        <p:nvSpPr>
           <p:cNvPr id="3" name="Content Placeholder 2"/>
           <p:cNvSpPr>
             <a:spLocks noGrp="1"/>
@@ -14893,206 +14911,118 @@
         </p:nvSpPr>
         <p:spPr>
           <a:xfrm>
-            <a:off x="561110" y="2279374"/>
-            <a:ext cx="11082593" cy="4578625"/>
+            <a:off x="561110" y="2305878"/>
+            <a:ext cx="11082593" cy="4552121"/>
           </a:xfrm>
         </p:spPr>
         <p:txBody>
           <a:bodyPr>
-            <a:normAutofit/>
+            <a:normAutofit fontScale="92500"/>
           </a:bodyPr>
           <a:lstStyle/>
           <a:p>
             <a:r>
+              <a:rPr lang="fa-IR" sz="2800" dirty="0" smtClean="0"/>
+              <a:t>سری </a:t>
+            </a:r>
+            <a:r>
+              <a:rPr lang="fa-IR" sz="2800" dirty="0"/>
+              <a:t>3</a:t>
+            </a:r>
+            <a:endParaRPr lang="fa-IR" sz="2800" dirty="0" smtClean="0"/>
+          </a:p>
+          <a:p>
+            <a:pPr marL="0" indent="0">
+              <a:buNone/>
+            </a:pPr>
+            <a:r>
               <a:rPr lang="fa-IR" dirty="0" smtClean="0"/>
-              <a:t>ادامه</a:t>
+              <a:t>1- به چه علت از تابع استفاده میکنیم؟</a:t>
+            </a:r>
+          </a:p>
+          <a:p>
+            <a:pPr marL="0" indent="0">
+              <a:buNone/>
+            </a:pPr>
+            <a:r>
+              <a:rPr lang="fa-IR" dirty="0" smtClean="0"/>
+              <a:t>2- متد چیست؟ فراخوانی تابع به چه معناست؟</a:t>
+            </a:r>
+          </a:p>
+          <a:p>
+            <a:pPr marL="0" indent="0">
+              <a:buNone/>
+            </a:pPr>
+            <a:r>
+              <a:rPr lang="fa-IR" dirty="0" smtClean="0"/>
+              <a:t>3-در کد زیر پارامتر و نام تابع را مشخص کنید</a:t>
             </a:r>
             <a:r>
               <a:rPr lang="en-US" dirty="0" smtClean="0"/>
-              <a:t> </a:t>
-            </a:r>
+              <a:t>.</a:t>
+            </a:r>
+            <a:endParaRPr lang="fa-IR" dirty="0" smtClean="0"/>
+          </a:p>
+          <a:p>
+            <a:pPr marL="0" indent="0" algn="l">
+              <a:buNone/>
+            </a:pPr>
+            <a:r>
+              <a:rPr lang="en-US" dirty="0" smtClean="0"/>
+              <a:t>private void </a:t>
+            </a:r>
+            <a:r>
+              <a:rPr lang="en-US" dirty="0" err="1" smtClean="0"/>
+              <a:t>ShowName</a:t>
+            </a:r>
+            <a:r>
+              <a:rPr lang="en-US" dirty="0" smtClean="0"/>
+              <a:t>(string name)</a:t>
+            </a:r>
+          </a:p>
+          <a:p>
+            <a:pPr marL="0" indent="0" algn="l">
+              <a:buNone/>
+            </a:pPr>
+            <a:r>
+              <a:rPr lang="en-US" sz="2200" dirty="0" smtClean="0"/>
+              <a:t>{</a:t>
+            </a:r>
+          </a:p>
+          <a:p>
+            <a:pPr marL="0" indent="0" algn="l">
+              <a:buNone/>
+            </a:pPr>
+            <a:r>
+              <a:rPr lang="en-US" sz="2200" dirty="0"/>
+              <a:t>}</a:t>
+            </a:r>
+          </a:p>
+        </p:txBody>
+      </p:sp>
+      <p:sp>
+        <p:nvSpPr>
+          <p:cNvPr id="6" name="Title 1"/>
+          <p:cNvSpPr>
+            <a:spLocks noGrp="1"/>
+          </p:cNvSpPr>
+          <p:nvPr>
+            <p:ph type="title"/>
+          </p:nvPr>
+        </p:nvSpPr>
+        <p:spPr>
+          <a:xfrm>
+            <a:off x="1154954" y="973668"/>
+            <a:ext cx="8761413" cy="706964"/>
+          </a:xfrm>
+        </p:spPr>
+        <p:txBody>
+          <a:bodyPr/>
+          <a:lstStyle/>
+          <a:p>
             <a:r>
               <a:rPr lang="fa-IR" dirty="0" smtClean="0"/>
-              <a:t>سوالات سری 2</a:t>
-            </a:r>
-          </a:p>
-          <a:p>
-            <a:pPr marL="457200" indent="-457200">
-              <a:buFont typeface="+mj-lt"/>
-              <a:buAutoNum type="arabicPeriod" startAt="5"/>
-            </a:pPr>
-            <a:r>
-              <a:rPr lang="en-US" dirty="0" smtClean="0"/>
-              <a:t> </a:t>
-            </a:r>
-            <a:r>
-              <a:rPr lang="fa-IR" dirty="0" smtClean="0"/>
-              <a:t> در مثال زیر مقدار متغیر </a:t>
-            </a:r>
-            <a:r>
-              <a:rPr lang="en-US" dirty="0" smtClean="0"/>
-              <a:t>str2</a:t>
-            </a:r>
-            <a:r>
-              <a:rPr lang="fa-IR" dirty="0" smtClean="0"/>
-              <a:t> برابر چیست؟</a:t>
-            </a:r>
-          </a:p>
-          <a:p>
-            <a:pPr marL="0" indent="0" algn="l" rtl="0">
-              <a:lnSpc>
-                <a:spcPct val="110000"/>
-              </a:lnSpc>
-              <a:spcBef>
-                <a:spcPts val="0"/>
-              </a:spcBef>
-              <a:spcAft>
-                <a:spcPts val="0"/>
-              </a:spcAft>
-              <a:buNone/>
-            </a:pPr>
-            <a:r>
-              <a:rPr lang="en-US" sz="2000" dirty="0"/>
-              <a:t>String </a:t>
-            </a:r>
-            <a:r>
-              <a:rPr lang="en-US" sz="2000" dirty="0" err="1"/>
-              <a:t>str</a:t>
-            </a:r>
-            <a:r>
-              <a:rPr lang="en-US" sz="2000" dirty="0" smtClean="0"/>
-              <a:t>=“</a:t>
-            </a:r>
-            <a:r>
-              <a:rPr lang="en-US" sz="2000" dirty="0" err="1" smtClean="0"/>
-              <a:t>mohsen</a:t>
-            </a:r>
-            <a:r>
-              <a:rPr lang="en-US" sz="2000" dirty="0" smtClean="0"/>
-              <a:t>”;</a:t>
-            </a:r>
-            <a:endParaRPr lang="en-US" sz="2000" dirty="0"/>
-          </a:p>
-          <a:p>
-            <a:pPr marL="0" indent="0" algn="l" rtl="0">
-              <a:lnSpc>
-                <a:spcPct val="110000"/>
-              </a:lnSpc>
-              <a:spcBef>
-                <a:spcPts val="0"/>
-              </a:spcBef>
-              <a:spcAft>
-                <a:spcPts val="0"/>
-              </a:spcAft>
-              <a:buNone/>
-            </a:pPr>
-            <a:r>
-              <a:rPr lang="en-US" sz="2000" dirty="0" smtClean="0"/>
-              <a:t>String str2=</a:t>
-            </a:r>
-            <a:r>
-              <a:rPr lang="en-US" sz="2000" dirty="0" err="1" smtClean="0"/>
-              <a:t>str.Substring</a:t>
-            </a:r>
-            <a:r>
-              <a:rPr lang="en-US" sz="2000" dirty="0" smtClean="0"/>
-              <a:t>(2,3);</a:t>
-            </a:r>
-          </a:p>
-          <a:p>
-            <a:pPr marL="457200" indent="-457200">
-              <a:buFont typeface="+mj-lt"/>
-              <a:buAutoNum type="arabicPeriod" startAt="6"/>
-            </a:pPr>
-            <a:r>
-              <a:rPr lang="fa-IR" dirty="0" smtClean="0"/>
-              <a:t>با دستور </a:t>
-            </a:r>
-            <a:r>
-              <a:rPr lang="en-US" dirty="0" smtClean="0"/>
-              <a:t>Replace</a:t>
-            </a:r>
-            <a:r>
-              <a:rPr lang="fa-IR" dirty="0" smtClean="0"/>
-              <a:t> یک خط که به کد زیر اضافه کند تا متغیر </a:t>
-            </a:r>
-            <a:r>
-              <a:rPr lang="en-US" dirty="0" err="1" smtClean="0"/>
-              <a:t>str</a:t>
-            </a:r>
-            <a:r>
-              <a:rPr lang="fa-IR" dirty="0" smtClean="0"/>
-              <a:t> برابر </a:t>
-            </a:r>
-            <a:r>
-              <a:rPr lang="en-US" dirty="0" smtClean="0"/>
-              <a:t>“</a:t>
-            </a:r>
-            <a:r>
-              <a:rPr lang="en-US" dirty="0" err="1" smtClean="0"/>
-              <a:t>bita</a:t>
-            </a:r>
-            <a:r>
-              <a:rPr lang="en-US" dirty="0" smtClean="0"/>
-              <a:t>”</a:t>
-            </a:r>
-            <a:r>
-              <a:rPr lang="fa-IR" dirty="0" smtClean="0"/>
-              <a:t>شود.</a:t>
-            </a:r>
-          </a:p>
-          <a:p>
-            <a:pPr marL="0" indent="0" algn="l" rtl="0">
-              <a:lnSpc>
-                <a:spcPct val="110000"/>
-              </a:lnSpc>
-              <a:spcBef>
-                <a:spcPts val="0"/>
-              </a:spcBef>
-              <a:spcAft>
-                <a:spcPts val="0"/>
-              </a:spcAft>
-              <a:buNone/>
-            </a:pPr>
-            <a:r>
-              <a:rPr lang="en-US" sz="2000" dirty="0" smtClean="0"/>
-              <a:t>String </a:t>
-            </a:r>
-            <a:r>
-              <a:rPr lang="en-US" sz="2000" dirty="0" err="1" smtClean="0"/>
-              <a:t>str</a:t>
-            </a:r>
-            <a:r>
-              <a:rPr lang="en-US" sz="2000" dirty="0" smtClean="0"/>
-              <a:t>=“</a:t>
-            </a:r>
-            <a:r>
-              <a:rPr lang="en-US" sz="2000" dirty="0" err="1" smtClean="0"/>
-              <a:t>sina</a:t>
-            </a:r>
-            <a:r>
-              <a:rPr lang="en-US" sz="2000" dirty="0" smtClean="0"/>
-              <a:t>”;</a:t>
-            </a:r>
-          </a:p>
-          <a:p>
-            <a:pPr marL="457200" indent="-457200">
-              <a:buFont typeface="+mj-lt"/>
-              <a:buAutoNum type="arabicPeriod" startAt="6"/>
-            </a:pPr>
-            <a:r>
-              <a:rPr lang="fa-IR" dirty="0" smtClean="0"/>
-              <a:t>برای اینکه یک متغیر صحیح را برابر با یک متغیر اعشاری قرار دهیم چه کار باید کرد؟ به این کار چه می گویند؟</a:t>
-            </a:r>
-          </a:p>
-          <a:p>
-            <a:pPr marL="457200" indent="-457200">
-              <a:buFont typeface="+mj-lt"/>
-              <a:buAutoNum type="arabicPeriod" startAt="6"/>
-            </a:pPr>
-            <a:r>
-              <a:rPr lang="fa-IR" dirty="0" smtClean="0"/>
-              <a:t>کدی بنویسید که تاریخ و زمان فعلی را نمایش دهد.</a:t>
+              <a:t>پرسش</a:t>
             </a:r>
             <a:endParaRPr lang="en-US" dirty="0"/>
           </a:p>
@@ -15101,7 +15031,7 @@
     </p:spTree>
     <p:extLst>
       <p:ext uri="{BB962C8B-B14F-4D97-AF65-F5344CB8AC3E}">
-        <p14:creationId xmlns:p14="http://schemas.microsoft.com/office/powerpoint/2010/main" val="757622591"/>
+        <p14:creationId xmlns:p14="http://schemas.microsoft.com/office/powerpoint/2010/main" val="1931935669"/>
       </p:ext>
     </p:extLst>
   </p:cSld>
@@ -15137,29 +15067,6 @@
       </p:grpSpPr>
       <p:sp>
         <p:nvSpPr>
-          <p:cNvPr id="2" name="Title 1"/>
-          <p:cNvSpPr>
-            <a:spLocks noGrp="1"/>
-          </p:cNvSpPr>
-          <p:nvPr>
-            <p:ph type="title"/>
-          </p:nvPr>
-        </p:nvSpPr>
-        <p:spPr/>
-        <p:txBody>
-          <a:bodyPr/>
-          <a:lstStyle/>
-          <a:p>
-            <a:r>
-              <a:rPr lang="fa-IR" dirty="0" smtClean="0"/>
-              <a:t>پرسش</a:t>
-            </a:r>
-            <a:endParaRPr lang="en-US" dirty="0"/>
-          </a:p>
-        </p:txBody>
-      </p:sp>
-      <p:sp>
-        <p:nvSpPr>
           <p:cNvPr id="3" name="Content Placeholder 2"/>
           <p:cNvSpPr>
             <a:spLocks noGrp="1"/>
@@ -15170,8 +15077,8 @@
         </p:nvSpPr>
         <p:spPr>
           <a:xfrm>
-            <a:off x="561110" y="2279374"/>
-            <a:ext cx="11082593" cy="4578625"/>
+            <a:off x="561110" y="2305878"/>
+            <a:ext cx="11082593" cy="4552121"/>
           </a:xfrm>
         </p:spPr>
         <p:txBody>
@@ -15181,36 +15088,28 @@
           <a:lstStyle/>
           <a:p>
             <a:r>
+              <a:rPr lang="fa-IR" sz="2800" dirty="0" smtClean="0"/>
+              <a:t>ادامه سری </a:t>
+            </a:r>
+            <a:r>
+              <a:rPr lang="fa-IR" sz="2800" dirty="0"/>
+              <a:t>3</a:t>
+            </a:r>
+            <a:endParaRPr lang="fa-IR" sz="2800" dirty="0" smtClean="0"/>
+          </a:p>
+          <a:p>
+            <a:pPr marL="0" indent="0">
+              <a:buNone/>
+            </a:pPr>
+            <a:r>
               <a:rPr lang="fa-IR" dirty="0" smtClean="0"/>
-              <a:t>ادامه</a:t>
-            </a:r>
-            <a:r>
-              <a:rPr lang="en-US" dirty="0" smtClean="0"/>
-              <a:t> </a:t>
-            </a:r>
-            <a:r>
-              <a:rPr lang="fa-IR" dirty="0" smtClean="0"/>
-              <a:t>سوالات سری 2</a:t>
-            </a:r>
-          </a:p>
-          <a:p>
-            <a:pPr marL="457200" indent="-457200">
-              <a:buFont typeface="+mj-lt"/>
-              <a:buAutoNum type="arabicPeriod" startAt="8"/>
-            </a:pPr>
-            <a:r>
-              <a:rPr lang="en-US" dirty="0" smtClean="0"/>
-              <a:t> </a:t>
-            </a:r>
-            <a:r>
-              <a:rPr lang="fa-IR" dirty="0" smtClean="0"/>
-              <a:t>  متغیر های زیر را به دلخواه مقدار دهی اولیه کنید.</a:t>
-            </a:r>
-          </a:p>
-          <a:p>
-            <a:pPr marL="0" indent="0" algn="l" rtl="0">
+              <a:t>4- در کد زیر خطاها را مشخص کنید</a:t>
+            </a:r>
+          </a:p>
+          <a:p>
+            <a:pPr marL="0" indent="0" algn="l">
               <a:lnSpc>
-                <a:spcPct val="110000"/>
+                <a:spcPct val="100000"/>
               </a:lnSpc>
               <a:spcBef>
                 <a:spcPts val="0"/>
@@ -15222,21 +15121,18 @@
             </a:pPr>
             <a:r>
               <a:rPr lang="en-US" sz="2000" dirty="0"/>
-              <a:t>String </a:t>
-            </a:r>
-            <a:r>
-              <a:rPr lang="en-US" sz="2000" dirty="0" err="1" smtClean="0"/>
-              <a:t>str</a:t>
-            </a:r>
-            <a:r>
-              <a:rPr lang="en-US" sz="2000" dirty="0"/>
-              <a:t>=</a:t>
-            </a:r>
-          </a:p>
-          <a:p>
-            <a:pPr marL="0" indent="0" algn="l" rtl="0">
+              <a:t>private void Tell Error (string </a:t>
+            </a:r>
+            <a:r>
+              <a:rPr lang="en-US" sz="2000" dirty="0" smtClean="0"/>
+              <a:t>time)</a:t>
+            </a:r>
+            <a:endParaRPr lang="en-US" sz="2000" dirty="0"/>
+          </a:p>
+          <a:p>
+            <a:pPr marL="0" indent="0" algn="l">
               <a:lnSpc>
-                <a:spcPct val="110000"/>
+                <a:spcPct val="100000"/>
               </a:lnSpc>
               <a:spcBef>
                 <a:spcPts val="0"/>
@@ -15247,18 +15143,14 @@
               <a:buNone/>
             </a:pPr>
             <a:r>
-              <a:rPr lang="en-US" sz="2000" dirty="0" err="1" smtClean="0"/>
-              <a:t>int</a:t>
-            </a:r>
-            <a:r>
-              <a:rPr lang="en-US" sz="2000" dirty="0" smtClean="0"/>
-              <a:t> n=</a:t>
-            </a:r>
-          </a:p>
-          <a:p>
-            <a:pPr marL="0" indent="0" algn="l" rtl="0">
+              <a:rPr lang="en-US" sz="2000" dirty="0"/>
+              <a:t>{</a:t>
+            </a:r>
+          </a:p>
+          <a:p>
+            <a:pPr marL="0" indent="0" algn="l">
               <a:lnSpc>
-                <a:spcPct val="110000"/>
+                <a:spcPct val="100000"/>
               </a:lnSpc>
               <a:spcBef>
                 <a:spcPts val="0"/>
@@ -15270,13 +15162,21 @@
             </a:pPr>
             <a:r>
               <a:rPr lang="en-US" sz="2000" dirty="0" smtClean="0"/>
-              <a:t>double m=</a:t>
-            </a:r>
-          </a:p>
-          <a:p>
-            <a:pPr marL="0" indent="0" algn="l" rtl="0">
+              <a:t>string  time=   </a:t>
+            </a:r>
+            <a:r>
+              <a:rPr lang="en-US" sz="2000" dirty="0" err="1" smtClean="0"/>
+              <a:t>DateTime.Now</a:t>
+            </a:r>
+            <a:r>
+              <a:rPr lang="en-US" sz="2000" dirty="0" smtClean="0"/>
+              <a:t>;</a:t>
+            </a:r>
+          </a:p>
+          <a:p>
+            <a:pPr marL="0" indent="0" algn="l">
               <a:lnSpc>
-                <a:spcPct val="110000"/>
+                <a:spcPct val="100000"/>
               </a:lnSpc>
               <a:spcBef>
                 <a:spcPts val="0"/>
@@ -15287,26 +15187,108 @@
               <a:buNone/>
             </a:pPr>
             <a:r>
-              <a:rPr lang="en-US" sz="2000" dirty="0" err="1" smtClean="0"/>
-              <a:t>DateTime</a:t>
-            </a:r>
-            <a:r>
               <a:rPr lang="en-US" sz="2000" dirty="0" smtClean="0"/>
-              <a:t> d=</a:t>
-            </a:r>
+              <a:t>}</a:t>
+            </a:r>
+          </a:p>
+          <a:p>
+            <a:pPr marL="0" indent="0">
+              <a:lnSpc>
+                <a:spcPct val="160000"/>
+              </a:lnSpc>
+              <a:spcBef>
+                <a:spcPts val="0"/>
+              </a:spcBef>
+              <a:spcAft>
+                <a:spcPts val="0"/>
+              </a:spcAft>
+              <a:buNone/>
+            </a:pPr>
+            <a:r>
+              <a:rPr lang="fa-IR" dirty="0"/>
+              <a:t>5- تفاوت </a:t>
+            </a:r>
+            <a:r>
+              <a:rPr lang="en-US" dirty="0"/>
+              <a:t>event</a:t>
+            </a:r>
+            <a:r>
+              <a:rPr lang="fa-IR" dirty="0"/>
+              <a:t> و </a:t>
+            </a:r>
+            <a:r>
+              <a:rPr lang="en-US" dirty="0"/>
+              <a:t>property</a:t>
+            </a:r>
+            <a:r>
+              <a:rPr lang="fa-IR" dirty="0"/>
+              <a:t> برای یک </a:t>
+            </a:r>
+            <a:r>
+              <a:rPr lang="en-US" dirty="0"/>
+              <a:t>button</a:t>
+            </a:r>
+            <a:r>
+              <a:rPr lang="fa-IR" dirty="0"/>
+              <a:t> چیست مثال بزنید.</a:t>
+            </a:r>
+          </a:p>
+          <a:p>
+            <a:pPr marL="0" indent="0" algn="l">
+              <a:lnSpc>
+                <a:spcPct val="100000"/>
+              </a:lnSpc>
+              <a:spcBef>
+                <a:spcPts val="0"/>
+              </a:spcBef>
+              <a:spcAft>
+                <a:spcPts val="0"/>
+              </a:spcAft>
+              <a:buNone/>
+            </a:pPr>
             <a:endParaRPr lang="en-US" sz="2000" dirty="0"/>
           </a:p>
           <a:p>
             <a:pPr marL="0" indent="0">
+              <a:lnSpc>
+                <a:spcPct val="100000"/>
+              </a:lnSpc>
+              <a:spcBef>
+                <a:spcPts val="0"/>
+              </a:spcBef>
+              <a:spcAft>
+                <a:spcPts val="0"/>
+              </a:spcAft>
               <a:buNone/>
             </a:pPr>
-            <a:endParaRPr lang="fa-IR" dirty="0" smtClean="0"/>
-          </a:p>
-          <a:p>
-            <a:pPr marL="457200" indent="-457200">
-              <a:buFont typeface="+mj-lt"/>
-              <a:buAutoNum type="arabicPeriod" startAt="8"/>
-            </a:pPr>
+            <a:endParaRPr lang="en-US" sz="2000" dirty="0"/>
+          </a:p>
+        </p:txBody>
+      </p:sp>
+      <p:sp>
+        <p:nvSpPr>
+          <p:cNvPr id="6" name="Title 1"/>
+          <p:cNvSpPr>
+            <a:spLocks noGrp="1"/>
+          </p:cNvSpPr>
+          <p:nvPr>
+            <p:ph type="title"/>
+          </p:nvPr>
+        </p:nvSpPr>
+        <p:spPr>
+          <a:xfrm>
+            <a:off x="1154954" y="973668"/>
+            <a:ext cx="8761413" cy="706964"/>
+          </a:xfrm>
+        </p:spPr>
+        <p:txBody>
+          <a:bodyPr/>
+          <a:lstStyle/>
+          <a:p>
+            <a:r>
+              <a:rPr lang="fa-IR" dirty="0" smtClean="0"/>
+              <a:t>پرسش</a:t>
+            </a:r>
             <a:endParaRPr lang="en-US" dirty="0"/>
           </a:p>
         </p:txBody>
@@ -15314,7 +15296,7 @@
     </p:spTree>
     <p:extLst>
       <p:ext uri="{BB962C8B-B14F-4D97-AF65-F5344CB8AC3E}">
-        <p14:creationId xmlns:p14="http://schemas.microsoft.com/office/powerpoint/2010/main" val="1591937415"/>
+        <p14:creationId xmlns:p14="http://schemas.microsoft.com/office/powerpoint/2010/main" val="901244448"/>
       </p:ext>
     </p:extLst>
   </p:cSld>
@@ -15366,86 +15348,155 @@
         </p:spPr>
         <p:txBody>
           <a:bodyPr>
-            <a:normAutofit fontScale="92500"/>
+            <a:normAutofit/>
           </a:bodyPr>
           <a:lstStyle/>
           <a:p>
             <a:r>
               <a:rPr lang="fa-IR" sz="2800" dirty="0" smtClean="0"/>
-              <a:t>سری </a:t>
-            </a:r>
-            <a:r>
-              <a:rPr lang="fa-IR" sz="2800" dirty="0"/>
-              <a:t>3</a:t>
-            </a:r>
-            <a:endParaRPr lang="fa-IR" sz="2800" dirty="0" smtClean="0"/>
+              <a:t>ادامه سری 3 (ازمون 3)</a:t>
+            </a:r>
           </a:p>
           <a:p>
             <a:pPr marL="0" indent="0">
+              <a:lnSpc>
+                <a:spcPct val="160000"/>
+              </a:lnSpc>
+              <a:spcBef>
+                <a:spcPts val="0"/>
+              </a:spcBef>
+              <a:spcAft>
+                <a:spcPts val="0"/>
+              </a:spcAft>
               <a:buNone/>
             </a:pPr>
             <a:r>
-              <a:rPr lang="fa-IR" dirty="0" smtClean="0"/>
-              <a:t>1- به چه علت از تابع استفاده میکنیم؟</a:t>
+              <a:rPr lang="fa-IR" dirty="0"/>
+              <a:t>6- در کد زیر خطاها را بیابید.</a:t>
+            </a:r>
+          </a:p>
+          <a:p>
+            <a:pPr marL="0" indent="0" algn="l">
+              <a:lnSpc>
+                <a:spcPct val="100000"/>
+              </a:lnSpc>
+              <a:spcBef>
+                <a:spcPts val="0"/>
+              </a:spcBef>
+              <a:spcAft>
+                <a:spcPts val="0"/>
+              </a:spcAft>
+              <a:buNone/>
+            </a:pPr>
+            <a:r>
+              <a:rPr lang="en-US" dirty="0"/>
+              <a:t>private void </a:t>
+            </a:r>
+            <a:r>
+              <a:rPr lang="en-US" dirty="0" err="1"/>
+              <a:t>Masahat</a:t>
+            </a:r>
+            <a:r>
+              <a:rPr lang="en-US" dirty="0"/>
+              <a:t>(double r)</a:t>
+            </a:r>
+          </a:p>
+          <a:p>
+            <a:pPr marL="0" indent="0" algn="l">
+              <a:lnSpc>
+                <a:spcPct val="100000"/>
+              </a:lnSpc>
+              <a:spcBef>
+                <a:spcPts val="0"/>
+              </a:spcBef>
+              <a:spcAft>
+                <a:spcPts val="0"/>
+              </a:spcAft>
+              <a:buNone/>
+            </a:pPr>
+            <a:r>
+              <a:rPr lang="en-US" dirty="0"/>
+              <a:t>{</a:t>
+            </a:r>
+          </a:p>
+          <a:p>
+            <a:pPr marL="0" indent="0" algn="l">
+              <a:lnSpc>
+                <a:spcPct val="100000"/>
+              </a:lnSpc>
+              <a:spcBef>
+                <a:spcPts val="0"/>
+              </a:spcBef>
+              <a:spcAft>
+                <a:spcPts val="0"/>
+              </a:spcAft>
+              <a:buNone/>
+            </a:pPr>
+            <a:r>
+              <a:rPr lang="en-US" dirty="0" err="1"/>
+              <a:t>int</a:t>
+            </a:r>
+            <a:r>
+              <a:rPr lang="en-US" dirty="0"/>
+              <a:t> m;</a:t>
+            </a:r>
+          </a:p>
+          <a:p>
+            <a:pPr marL="0" indent="0" algn="l">
+              <a:lnSpc>
+                <a:spcPct val="100000"/>
+              </a:lnSpc>
+              <a:spcBef>
+                <a:spcPts val="0"/>
+              </a:spcBef>
+              <a:spcAft>
+                <a:spcPts val="0"/>
+              </a:spcAft>
+              <a:buNone/>
+            </a:pPr>
+            <a:r>
+              <a:rPr lang="en-US" dirty="0"/>
+              <a:t>double s=r * r *</a:t>
+            </a:r>
+          </a:p>
+          <a:p>
+            <a:pPr marL="0" indent="0" algn="l">
+              <a:lnSpc>
+                <a:spcPct val="100000"/>
+              </a:lnSpc>
+              <a:spcBef>
+                <a:spcPts val="0"/>
+              </a:spcBef>
+              <a:spcAft>
+                <a:spcPts val="0"/>
+              </a:spcAft>
+              <a:buNone/>
+            </a:pPr>
+            <a:r>
+              <a:rPr lang="en-US" dirty="0"/>
+              <a:t>return s;</a:t>
             </a:r>
           </a:p>
           <a:p>
             <a:pPr marL="0" indent="0">
               <a:buNone/>
             </a:pPr>
-            <a:r>
-              <a:rPr lang="fa-IR" dirty="0" smtClean="0"/>
-              <a:t>2- متد چیست؟ فراخوانی تابع به چه معناست؟</a:t>
-            </a:r>
+            <a:endParaRPr lang="en-US" sz="2000" dirty="0"/>
           </a:p>
           <a:p>
             <a:pPr marL="0" indent="0">
+              <a:lnSpc>
+                <a:spcPct val="100000"/>
+              </a:lnSpc>
+              <a:spcBef>
+                <a:spcPts val="0"/>
+              </a:spcBef>
+              <a:spcAft>
+                <a:spcPts val="0"/>
+              </a:spcAft>
               <a:buNone/>
             </a:pPr>
-            <a:r>
-              <a:rPr lang="fa-IR" dirty="0" smtClean="0"/>
-              <a:t>3-در کد زیر پارامتر و نام تابع را مشخص کنید</a:t>
-            </a:r>
-            <a:r>
-              <a:rPr lang="en-US" dirty="0" smtClean="0"/>
-              <a:t>.</a:t>
-            </a:r>
-            <a:endParaRPr lang="fa-IR" dirty="0" smtClean="0"/>
-          </a:p>
-          <a:p>
-            <a:pPr marL="0" indent="0" algn="l">
-              <a:buNone/>
-            </a:pPr>
-            <a:r>
-              <a:rPr lang="en-US" dirty="0" smtClean="0"/>
-              <a:t>private void </a:t>
-            </a:r>
-            <a:r>
-              <a:rPr lang="en-US" dirty="0" err="1" smtClean="0"/>
-              <a:t>ShowName</a:t>
-            </a:r>
-            <a:r>
-              <a:rPr lang="en-US" dirty="0" smtClean="0"/>
-              <a:t>(string name)</a:t>
-            </a:r>
-          </a:p>
-          <a:p>
-            <a:pPr marL="0" indent="0" algn="l">
-              <a:buNone/>
-            </a:pPr>
-            <a:r>
-              <a:rPr lang="en-US" sz="2200" dirty="0" smtClean="0"/>
-              <a:t>{</a:t>
-            </a:r>
-          </a:p>
-          <a:p>
-            <a:pPr marL="0" indent="0" algn="l">
-              <a:buNone/>
-            </a:pPr>
-            <a:r>
-              <a:rPr lang="en-US" sz="2200" dirty="0"/>
-              <a:t>}</a:t>
-            </a:r>
+            <a:endParaRPr lang="en-US" sz="2000" dirty="0"/>
           </a:p>
         </p:txBody>
       </p:sp>
@@ -15480,7 +15531,7 @@
     </p:spTree>
     <p:extLst>
       <p:ext uri="{BB962C8B-B14F-4D97-AF65-F5344CB8AC3E}">
-        <p14:creationId xmlns:p14="http://schemas.microsoft.com/office/powerpoint/2010/main" val="1931935669"/>
+        <p14:creationId xmlns:p14="http://schemas.microsoft.com/office/powerpoint/2010/main" val="696916610"/>
       </p:ext>
     </p:extLst>
   </p:cSld>
@@ -15532,17 +15583,17 @@
         </p:spPr>
         <p:txBody>
           <a:bodyPr>
-            <a:normAutofit fontScale="92500" lnSpcReduction="20000"/>
+            <a:normAutofit/>
           </a:bodyPr>
           <a:lstStyle/>
           <a:p>
             <a:r>
               <a:rPr lang="fa-IR" sz="2800" dirty="0" smtClean="0"/>
-              <a:t>ادامه سری </a:t>
+              <a:t>سری </a:t>
             </a:r>
             <a:r>
               <a:rPr lang="fa-IR" sz="2800" dirty="0"/>
-              <a:t>3</a:t>
+              <a:t>4</a:t>
             </a:r>
             <a:endParaRPr lang="fa-IR" sz="2800" dirty="0" smtClean="0"/>
           </a:p>
@@ -15552,7 +15603,16 @@
             </a:pPr>
             <a:r>
               <a:rPr lang="fa-IR" dirty="0" smtClean="0"/>
-              <a:t>4- در کد زیر خطاها را مشخص کنید</a:t>
+              <a:t>1- برای اینکه بررسی کنیم معدل یک دانش اموز از 18 بیشتر از یا نه از چه دستوری باید استفاده کرد؟2</a:t>
+            </a:r>
+          </a:p>
+          <a:p>
+            <a:pPr marL="0" indent="0">
+              <a:buNone/>
+            </a:pPr>
+            <a:r>
+              <a:rPr lang="fa-IR" dirty="0" smtClean="0"/>
+              <a:t>2- آیا کد زیر برای مثال بالا صحیح است؟</a:t>
             </a:r>
           </a:p>
           <a:p>
@@ -15569,14 +15629,21 @@
               <a:buNone/>
             </a:pPr>
             <a:r>
-              <a:rPr lang="en-US" sz="2000" dirty="0"/>
-              <a:t>private void Tell Error (string </a:t>
+              <a:rPr lang="en-US" sz="2000" dirty="0" err="1" smtClean="0"/>
+              <a:t>int</a:t>
             </a:r>
             <a:r>
               <a:rPr lang="en-US" sz="2000" dirty="0" smtClean="0"/>
-              <a:t>time)</a:t>
-            </a:r>
-            <a:endParaRPr lang="en-US" sz="2000" dirty="0"/>
+              <a:t>  </a:t>
+            </a:r>
+            <a:r>
+              <a:rPr lang="en-US" sz="2000" dirty="0" err="1" smtClean="0"/>
+              <a:t>moadel</a:t>
+            </a:r>
+            <a:r>
+              <a:rPr lang="en-US" sz="2000" dirty="0" smtClean="0"/>
+              <a:t>=19;</a:t>
+            </a:r>
           </a:p>
           <a:p>
             <a:pPr marL="0" indent="0" algn="l">
@@ -15592,12 +15659,20 @@
               <a:buNone/>
             </a:pPr>
             <a:r>
-              <a:rPr lang="en-US" sz="2000" dirty="0"/>
-              <a:t>{</a:t>
-            </a:r>
-          </a:p>
-          <a:p>
-            <a:pPr marL="0" indent="0" algn="l">
+              <a:rPr lang="en-US" sz="2000" dirty="0" smtClean="0"/>
+              <a:t>If(</a:t>
+            </a:r>
+            <a:r>
+              <a:rPr lang="en-US" sz="2000" dirty="0" err="1" smtClean="0"/>
+              <a:t>moadel</a:t>
+            </a:r>
+            <a:r>
+              <a:rPr lang="en-US" sz="2000" dirty="0" smtClean="0"/>
+              <a:t> &gt;18)</a:t>
+            </a:r>
+          </a:p>
+          <a:p>
+            <a:pPr marL="0" indent="0" algn="l" rtl="0">
               <a:lnSpc>
                 <a:spcPct val="100000"/>
               </a:lnSpc>
@@ -15610,20 +15685,25 @@
               <a:buNone/>
             </a:pPr>
             <a:r>
+              <a:rPr lang="en-US" sz="2000" dirty="0" err="1" smtClean="0"/>
+              <a:t>MessageBox.Show</a:t>
+            </a:r>
+            <a:r>
               <a:rPr lang="en-US" sz="2000" dirty="0" smtClean="0"/>
-              <a:t>string  time=   </a:t>
-            </a:r>
-            <a:r>
-              <a:rPr lang="en-US" sz="2000" dirty="0" err="1" smtClean="0"/>
-              <a:t>DateTime.Now</a:t>
+              <a:t>(“</a:t>
+            </a:r>
+            <a:r>
+              <a:rPr lang="fa-IR" sz="2000" dirty="0" smtClean="0"/>
+              <a:t>بالای 18 می باشد</a:t>
             </a:r>
             <a:r>
               <a:rPr lang="en-US" sz="2000" dirty="0" smtClean="0"/>
-              <a:t>;</a:t>
-            </a:r>
-          </a:p>
-          <a:p>
-            <a:pPr marL="0" indent="0" algn="l">
+              <a:t>”);</a:t>
+            </a:r>
+            <a:endParaRPr lang="en-US" sz="2000" dirty="0"/>
+          </a:p>
+          <a:p>
+            <a:pPr marL="0" indent="0">
               <a:lnSpc>
                 <a:spcPct val="100000"/>
               </a:lnSpc>
@@ -15635,73 +15715,10 @@
               </a:spcAft>
               <a:buNone/>
             </a:pPr>
-            <a:r>
-              <a:rPr lang="en-US" sz="2000" dirty="0" smtClean="0"/>
-              <a:t>}</a:t>
-            </a:r>
+            <a:endParaRPr lang="fa-IR" dirty="0" smtClean="0"/>
           </a:p>
           <a:p>
             <a:pPr marL="0" indent="0">
-              <a:lnSpc>
-                <a:spcPct val="160000"/>
-              </a:lnSpc>
-              <a:spcBef>
-                <a:spcPts val="0"/>
-              </a:spcBef>
-              <a:spcAft>
-                <a:spcPts val="0"/>
-              </a:spcAft>
-              <a:buNone/>
-            </a:pPr>
-            <a:r>
-              <a:rPr lang="fa-IR" dirty="0"/>
-              <a:t>5- تفاوت </a:t>
-            </a:r>
-            <a:r>
-              <a:rPr lang="en-US" dirty="0"/>
-              <a:t>event</a:t>
-            </a:r>
-            <a:r>
-              <a:rPr lang="fa-IR" dirty="0"/>
-              <a:t> و </a:t>
-            </a:r>
-            <a:r>
-              <a:rPr lang="en-US" dirty="0"/>
-              <a:t>property</a:t>
-            </a:r>
-            <a:r>
-              <a:rPr lang="fa-IR" dirty="0"/>
-              <a:t> برای یک </a:t>
-            </a:r>
-            <a:r>
-              <a:rPr lang="en-US" dirty="0"/>
-              <a:t>button</a:t>
-            </a:r>
-            <a:r>
-              <a:rPr lang="fa-IR" dirty="0"/>
-              <a:t> چیست مثال بزنید.</a:t>
-            </a:r>
-          </a:p>
-          <a:p>
-            <a:pPr marL="0" indent="0">
-              <a:lnSpc>
-                <a:spcPct val="160000"/>
-              </a:lnSpc>
-              <a:spcBef>
-                <a:spcPts val="0"/>
-              </a:spcBef>
-              <a:spcAft>
-                <a:spcPts val="0"/>
-              </a:spcAft>
-              <a:buNone/>
-            </a:pPr>
-            <a:r>
-              <a:rPr lang="fa-IR" dirty="0"/>
-              <a:t>6- در کد زیر خطاها را بیابید.</a:t>
-            </a:r>
-          </a:p>
-          <a:p>
-            <a:pPr marL="0" indent="0" algn="l">
               <a:lnSpc>
                 <a:spcPct val="100000"/>
               </a:lnSpc>
@@ -15714,25 +15731,12 @@
               <a:buNone/>
             </a:pPr>
             <a:r>
-              <a:rPr lang="en-US" sz="2000" dirty="0"/>
-              <a:t>private </a:t>
-            </a:r>
-            <a:r>
-              <a:rPr lang="en-US" sz="2000" dirty="0" smtClean="0"/>
-              <a:t>void </a:t>
-            </a:r>
-            <a:r>
-              <a:rPr lang="en-US" sz="2000" dirty="0" err="1" smtClean="0"/>
-              <a:t>Masahat</a:t>
-            </a:r>
-            <a:r>
-              <a:rPr lang="en-US" sz="2000" dirty="0" smtClean="0"/>
-              <a:t>(double r)</a:t>
-            </a:r>
-            <a:endParaRPr lang="en-US" sz="2000" dirty="0"/>
-          </a:p>
-          <a:p>
-            <a:pPr marL="0" indent="0" algn="l">
+              <a:rPr lang="fa-IR" dirty="0" smtClean="0"/>
+              <a:t>3- در مثال بالا اگر بخواهیم شرط یگری هم اضافه کنیم (اگر بین 15 و 18 بود) چه کاری باید کرد؟</a:t>
+            </a:r>
+          </a:p>
+          <a:p>
+            <a:pPr marL="0" indent="0">
               <a:lnSpc>
                 <a:spcPct val="100000"/>
               </a:lnSpc>
@@ -15745,68 +15749,17 @@
               <a:buNone/>
             </a:pPr>
             <a:r>
-              <a:rPr lang="en-US" sz="2000" dirty="0"/>
-              <a:t>{</a:t>
-            </a:r>
-          </a:p>
-          <a:p>
-            <a:pPr marL="0" indent="0" algn="l">
-              <a:lnSpc>
-                <a:spcPct val="100000"/>
-              </a:lnSpc>
-              <a:spcBef>
-                <a:spcPts val="0"/>
-              </a:spcBef>
-              <a:spcAft>
-                <a:spcPts val="0"/>
-              </a:spcAft>
-              <a:buNone/>
-            </a:pPr>
-            <a:r>
-              <a:rPr lang="en-US" sz="2000" dirty="0" err="1" smtClean="0"/>
-              <a:t>int</a:t>
-            </a:r>
-            <a:r>
-              <a:rPr lang="en-US" sz="2000" dirty="0" smtClean="0"/>
-              <a:t> m;</a:t>
-            </a:r>
-          </a:p>
-          <a:p>
-            <a:pPr marL="0" indent="0" algn="l">
-              <a:lnSpc>
-                <a:spcPct val="100000"/>
-              </a:lnSpc>
-              <a:spcBef>
-                <a:spcPts val="0"/>
-              </a:spcBef>
-              <a:spcAft>
-                <a:spcPts val="0"/>
-              </a:spcAft>
-              <a:buNone/>
-            </a:pPr>
-            <a:r>
-              <a:rPr lang="en-US" sz="2000" dirty="0" smtClean="0"/>
-              <a:t>double s=r * r *</a:t>
-            </a:r>
-          </a:p>
-          <a:p>
-            <a:pPr marL="0" indent="0" algn="l">
-              <a:lnSpc>
-                <a:spcPct val="100000"/>
-              </a:lnSpc>
-              <a:spcBef>
-                <a:spcPts val="0"/>
-              </a:spcBef>
-              <a:spcAft>
-                <a:spcPts val="0"/>
-              </a:spcAft>
-              <a:buNone/>
-            </a:pPr>
-            <a:r>
-              <a:rPr lang="en-US" sz="2000" dirty="0" smtClean="0"/>
-              <a:t>return s;</a:t>
-            </a:r>
-            <a:endParaRPr lang="en-US" sz="2000" dirty="0"/>
+              <a:rPr lang="fa-IR" dirty="0" smtClean="0"/>
+              <a:t>4- دستور </a:t>
+            </a:r>
+            <a:r>
+              <a:rPr lang="en-US" dirty="0" smtClean="0"/>
+              <a:t>else</a:t>
+            </a:r>
+            <a:r>
+              <a:rPr lang="fa-IR" dirty="0" smtClean="0"/>
+              <a:t> چه کاربری دارد؟</a:t>
+            </a:r>
           </a:p>
           <a:p>
             <a:pPr marL="0" indent="0" algn="l">
@@ -15871,7 +15824,1121 @@
     </p:spTree>
     <p:extLst>
       <p:ext uri="{BB962C8B-B14F-4D97-AF65-F5344CB8AC3E}">
-        <p14:creationId xmlns:p14="http://schemas.microsoft.com/office/powerpoint/2010/main" val="901244448"/>
+        <p14:creationId xmlns:p14="http://schemas.microsoft.com/office/powerpoint/2010/main" val="3088324226"/>
+      </p:ext>
+    </p:extLst>
+  </p:cSld>
+  <p:clrMapOvr>
+    <a:masterClrMapping/>
+  </p:clrMapOvr>
+  <p:timing>
+    <p:tnLst>
+      <p:par>
+        <p:cTn id="1" dur="indefinite" restart="never" nodeType="tmRoot"/>
+      </p:par>
+    </p:tnLst>
+  </p:timing>
+</p:sld>
+</file>
+
+<file path=ppt/slides/slide16.xml><?xml version="1.0" encoding="utf-8"?>
+<p:sld xmlns:a="http://schemas.openxmlformats.org/drawingml/2006/main" xmlns:r="http://schemas.openxmlformats.org/officeDocument/2006/relationships" xmlns:p="http://schemas.openxmlformats.org/presentationml/2006/main">
+  <p:cSld>
+    <p:spTree>
+      <p:nvGrpSpPr>
+        <p:cNvPr id="1" name=""/>
+        <p:cNvGrpSpPr/>
+        <p:nvPr/>
+      </p:nvGrpSpPr>
+      <p:grpSpPr>
+        <a:xfrm>
+          <a:off x="0" y="0"/>
+          <a:ext cx="0" cy="0"/>
+          <a:chOff x="0" y="0"/>
+          <a:chExt cx="0" cy="0"/>
+        </a:xfrm>
+      </p:grpSpPr>
+      <p:sp>
+        <p:nvSpPr>
+          <p:cNvPr id="3" name="Content Placeholder 2"/>
+          <p:cNvSpPr>
+            <a:spLocks noGrp="1"/>
+          </p:cNvSpPr>
+          <p:nvPr>
+            <p:ph idx="1"/>
+          </p:nvPr>
+        </p:nvSpPr>
+        <p:spPr>
+          <a:xfrm>
+            <a:off x="561110" y="2305878"/>
+            <a:ext cx="11082593" cy="4552121"/>
+          </a:xfrm>
+        </p:spPr>
+        <p:txBody>
+          <a:bodyPr>
+            <a:normAutofit/>
+          </a:bodyPr>
+          <a:lstStyle/>
+          <a:p>
+            <a:r>
+              <a:rPr lang="fa-IR" sz="2800" dirty="0" smtClean="0"/>
+              <a:t>ادامه سری </a:t>
+            </a:r>
+            <a:r>
+              <a:rPr lang="fa-IR" sz="2800" dirty="0"/>
+              <a:t>4</a:t>
+            </a:r>
+            <a:endParaRPr lang="fa-IR" sz="2800" dirty="0" smtClean="0"/>
+          </a:p>
+          <a:p>
+            <a:pPr marL="0" indent="0">
+              <a:spcBef>
+                <a:spcPts val="0"/>
+              </a:spcBef>
+              <a:spcAft>
+                <a:spcPts val="0"/>
+              </a:spcAft>
+              <a:buNone/>
+            </a:pPr>
+            <a:r>
+              <a:rPr lang="fa-IR" dirty="0"/>
+              <a:t>5- فرق بین </a:t>
+            </a:r>
+            <a:r>
+              <a:rPr lang="en-US" dirty="0"/>
+              <a:t>=  </a:t>
+            </a:r>
+            <a:r>
+              <a:rPr lang="fa-IR" dirty="0"/>
+              <a:t>  و </a:t>
+            </a:r>
+            <a:r>
+              <a:rPr lang="en-US" dirty="0"/>
+              <a:t>==</a:t>
+            </a:r>
+            <a:r>
+              <a:rPr lang="fa-IR" dirty="0"/>
+              <a:t> چیست؟</a:t>
+            </a:r>
+          </a:p>
+          <a:p>
+            <a:pPr marL="0" indent="0">
+              <a:spcBef>
+                <a:spcPts val="0"/>
+              </a:spcBef>
+              <a:spcAft>
+                <a:spcPts val="0"/>
+              </a:spcAft>
+              <a:buNone/>
+            </a:pPr>
+            <a:r>
+              <a:rPr lang="fa-IR" dirty="0" smtClean="0"/>
+              <a:t>6- فرض </a:t>
+            </a:r>
+            <a:r>
+              <a:rPr lang="fa-IR" dirty="0"/>
+              <a:t>کنید کاربر در یک </a:t>
+            </a:r>
+            <a:r>
+              <a:rPr lang="en-US" dirty="0" err="1"/>
+              <a:t>TextBox</a:t>
+            </a:r>
+            <a:r>
+              <a:rPr lang="fa-IR" dirty="0"/>
+              <a:t> بنام </a:t>
+            </a:r>
+            <a:r>
+              <a:rPr lang="en-US" dirty="0" err="1"/>
+              <a:t>tbNum</a:t>
+            </a:r>
+            <a:r>
+              <a:rPr lang="fa-IR" dirty="0"/>
+              <a:t> یک عدد وارد میکند و ما میخواهیم انرا ضربدر 2 کرده نمایش دهیم:</a:t>
+            </a:r>
+          </a:p>
+          <a:p>
+            <a:pPr marL="0" indent="0" algn="l">
+              <a:lnSpc>
+                <a:spcPct val="100000"/>
+              </a:lnSpc>
+              <a:spcBef>
+                <a:spcPts val="0"/>
+              </a:spcBef>
+              <a:spcAft>
+                <a:spcPts val="0"/>
+              </a:spcAft>
+              <a:buNone/>
+            </a:pPr>
+            <a:r>
+              <a:rPr lang="en-US" dirty="0" err="1" smtClean="0"/>
+              <a:t>int</a:t>
+            </a:r>
+            <a:r>
+              <a:rPr lang="en-US" dirty="0" smtClean="0"/>
+              <a:t>  </a:t>
+            </a:r>
+            <a:r>
+              <a:rPr lang="en-US" dirty="0" err="1"/>
+              <a:t>num</a:t>
+            </a:r>
+            <a:r>
+              <a:rPr lang="en-US" dirty="0"/>
+              <a:t>=</a:t>
+            </a:r>
+            <a:r>
+              <a:rPr lang="en-US" dirty="0" err="1"/>
+              <a:t>tbNum.Text</a:t>
+            </a:r>
+            <a:r>
+              <a:rPr lang="en-US" dirty="0"/>
+              <a:t>;</a:t>
+            </a:r>
+          </a:p>
+          <a:p>
+            <a:pPr marL="0" indent="0" algn="l">
+              <a:lnSpc>
+                <a:spcPct val="100000"/>
+              </a:lnSpc>
+              <a:spcBef>
+                <a:spcPts val="0"/>
+              </a:spcBef>
+              <a:spcAft>
+                <a:spcPts val="0"/>
+              </a:spcAft>
+              <a:buNone/>
+            </a:pPr>
+            <a:r>
+              <a:rPr lang="en-US" dirty="0" err="1"/>
+              <a:t>int</a:t>
+            </a:r>
+            <a:r>
+              <a:rPr lang="en-US" dirty="0"/>
+              <a:t> result=</a:t>
+            </a:r>
+            <a:r>
+              <a:rPr lang="en-US" dirty="0" err="1"/>
+              <a:t>num</a:t>
+            </a:r>
+            <a:r>
+              <a:rPr lang="en-US" dirty="0"/>
+              <a:t> * 2;</a:t>
+            </a:r>
+          </a:p>
+          <a:p>
+            <a:pPr marL="0" indent="0" algn="l" rtl="0">
+              <a:lnSpc>
+                <a:spcPct val="100000"/>
+              </a:lnSpc>
+              <a:spcBef>
+                <a:spcPts val="0"/>
+              </a:spcBef>
+              <a:spcAft>
+                <a:spcPts val="0"/>
+              </a:spcAft>
+              <a:buNone/>
+            </a:pPr>
+            <a:r>
+              <a:rPr lang="en-US" dirty="0" err="1"/>
+              <a:t>MessageBox.Show</a:t>
+            </a:r>
+            <a:r>
+              <a:rPr lang="en-US" dirty="0"/>
+              <a:t>(“</a:t>
+            </a:r>
+            <a:r>
+              <a:rPr lang="fa-IR" dirty="0"/>
+              <a:t>نتیجه برابر : </a:t>
+            </a:r>
+            <a:r>
+              <a:rPr lang="en-US" dirty="0"/>
+              <a:t>” + result);</a:t>
+            </a:r>
+          </a:p>
+          <a:p>
+            <a:pPr marL="0" indent="0">
+              <a:buNone/>
+            </a:pPr>
+            <a:endParaRPr lang="en-US" sz="2000" dirty="0"/>
+          </a:p>
+          <a:p>
+            <a:pPr marL="0" indent="0">
+              <a:lnSpc>
+                <a:spcPct val="100000"/>
+              </a:lnSpc>
+              <a:spcBef>
+                <a:spcPts val="0"/>
+              </a:spcBef>
+              <a:spcAft>
+                <a:spcPts val="0"/>
+              </a:spcAft>
+              <a:buNone/>
+            </a:pPr>
+            <a:endParaRPr lang="en-US" sz="2000" dirty="0"/>
+          </a:p>
+        </p:txBody>
+      </p:sp>
+      <p:sp>
+        <p:nvSpPr>
+          <p:cNvPr id="6" name="Title 1"/>
+          <p:cNvSpPr>
+            <a:spLocks noGrp="1"/>
+          </p:cNvSpPr>
+          <p:nvPr>
+            <p:ph type="title"/>
+          </p:nvPr>
+        </p:nvSpPr>
+        <p:spPr>
+          <a:xfrm>
+            <a:off x="1154954" y="973668"/>
+            <a:ext cx="8761413" cy="706964"/>
+          </a:xfrm>
+        </p:spPr>
+        <p:txBody>
+          <a:bodyPr/>
+          <a:lstStyle/>
+          <a:p>
+            <a:r>
+              <a:rPr lang="fa-IR" dirty="0" smtClean="0"/>
+              <a:t>پرسش</a:t>
+            </a:r>
+            <a:endParaRPr lang="en-US" dirty="0"/>
+          </a:p>
+        </p:txBody>
+      </p:sp>
+    </p:spTree>
+    <p:extLst>
+      <p:ext uri="{BB962C8B-B14F-4D97-AF65-F5344CB8AC3E}">
+        <p14:creationId xmlns:p14="http://schemas.microsoft.com/office/powerpoint/2010/main" val="569075807"/>
+      </p:ext>
+    </p:extLst>
+  </p:cSld>
+  <p:clrMapOvr>
+    <a:masterClrMapping/>
+  </p:clrMapOvr>
+  <p:timing>
+    <p:tnLst>
+      <p:par>
+        <p:cTn id="1" dur="indefinite" restart="never" nodeType="tmRoot"/>
+      </p:par>
+    </p:tnLst>
+  </p:timing>
+</p:sld>
+</file>
+
+<file path=ppt/slides/slide17.xml><?xml version="1.0" encoding="utf-8"?>
+<p:sld xmlns:a="http://schemas.openxmlformats.org/drawingml/2006/main" xmlns:r="http://schemas.openxmlformats.org/officeDocument/2006/relationships" xmlns:p="http://schemas.openxmlformats.org/presentationml/2006/main">
+  <p:cSld>
+    <p:spTree>
+      <p:nvGrpSpPr>
+        <p:cNvPr id="1" name=""/>
+        <p:cNvGrpSpPr/>
+        <p:nvPr/>
+      </p:nvGrpSpPr>
+      <p:grpSpPr>
+        <a:xfrm>
+          <a:off x="0" y="0"/>
+          <a:ext cx="0" cy="0"/>
+          <a:chOff x="0" y="0"/>
+          <a:chExt cx="0" cy="0"/>
+        </a:xfrm>
+      </p:grpSpPr>
+      <p:sp>
+        <p:nvSpPr>
+          <p:cNvPr id="3" name="Content Placeholder 2"/>
+          <p:cNvSpPr>
+            <a:spLocks noGrp="1"/>
+          </p:cNvSpPr>
+          <p:nvPr>
+            <p:ph idx="1"/>
+          </p:nvPr>
+        </p:nvSpPr>
+        <p:spPr>
+          <a:xfrm>
+            <a:off x="561110" y="2305878"/>
+            <a:ext cx="11082593" cy="4552121"/>
+          </a:xfrm>
+        </p:spPr>
+        <p:txBody>
+          <a:bodyPr>
+            <a:normAutofit/>
+          </a:bodyPr>
+          <a:lstStyle/>
+          <a:p>
+            <a:r>
+              <a:rPr lang="fa-IR" sz="2800" dirty="0" smtClean="0"/>
+              <a:t>ادامه سری 4 (ازمون 4)</a:t>
+            </a:r>
+          </a:p>
+          <a:p>
+            <a:pPr marL="0" indent="0">
+              <a:spcBef>
+                <a:spcPts val="0"/>
+              </a:spcBef>
+              <a:spcAft>
+                <a:spcPts val="0"/>
+              </a:spcAft>
+              <a:buNone/>
+            </a:pPr>
+            <a:r>
+              <a:rPr lang="fa-IR" dirty="0" smtClean="0"/>
+              <a:t>7- کد زیر چه خطاهایی دارد؟</a:t>
+            </a:r>
+            <a:endParaRPr lang="fa-IR" dirty="0"/>
+          </a:p>
+          <a:p>
+            <a:pPr marL="0" indent="0" algn="l" rtl="0">
+              <a:lnSpc>
+                <a:spcPct val="100000"/>
+              </a:lnSpc>
+              <a:spcBef>
+                <a:spcPts val="0"/>
+              </a:spcBef>
+              <a:spcAft>
+                <a:spcPts val="0"/>
+              </a:spcAft>
+              <a:buNone/>
+            </a:pPr>
+            <a:r>
+              <a:rPr lang="en-US" dirty="0" err="1" smtClean="0"/>
+              <a:t>int</a:t>
+            </a:r>
+            <a:r>
+              <a:rPr lang="en-US" dirty="0" smtClean="0"/>
+              <a:t> num1=18;</a:t>
+            </a:r>
+          </a:p>
+          <a:p>
+            <a:pPr marL="0" indent="0" algn="l" rtl="0">
+              <a:lnSpc>
+                <a:spcPct val="100000"/>
+              </a:lnSpc>
+              <a:spcBef>
+                <a:spcPts val="0"/>
+              </a:spcBef>
+              <a:spcAft>
+                <a:spcPts val="0"/>
+              </a:spcAft>
+              <a:buNone/>
+            </a:pPr>
+            <a:r>
+              <a:rPr lang="en-US" dirty="0" err="1"/>
+              <a:t>int</a:t>
+            </a:r>
+            <a:r>
+              <a:rPr lang="en-US" dirty="0"/>
+              <a:t> </a:t>
+            </a:r>
+            <a:r>
+              <a:rPr lang="en-US" dirty="0" smtClean="0"/>
+              <a:t>num2=15</a:t>
+            </a:r>
+          </a:p>
+          <a:p>
+            <a:pPr marL="0" indent="0" algn="l" rtl="0">
+              <a:lnSpc>
+                <a:spcPct val="100000"/>
+              </a:lnSpc>
+              <a:spcBef>
+                <a:spcPts val="0"/>
+              </a:spcBef>
+              <a:spcAft>
+                <a:spcPts val="0"/>
+              </a:spcAft>
+              <a:buNone/>
+            </a:pPr>
+            <a:r>
+              <a:rPr lang="en-US" dirty="0" smtClean="0"/>
+              <a:t>if( num1 = 20  ||   (num1 &gt; 18 &amp; num2 &gt; 18)</a:t>
+            </a:r>
+          </a:p>
+          <a:p>
+            <a:pPr marL="0" indent="0" algn="l" rtl="0">
+              <a:lnSpc>
+                <a:spcPct val="100000"/>
+              </a:lnSpc>
+              <a:spcBef>
+                <a:spcPts val="0"/>
+              </a:spcBef>
+              <a:spcAft>
+                <a:spcPts val="0"/>
+              </a:spcAft>
+              <a:buNone/>
+            </a:pPr>
+            <a:r>
+              <a:rPr lang="en-US" dirty="0" err="1" smtClean="0"/>
+              <a:t>MessageBox.Show</a:t>
+            </a:r>
+            <a:r>
+              <a:rPr lang="en-US" dirty="0" smtClean="0"/>
+              <a:t>(“OK”);</a:t>
+            </a:r>
+          </a:p>
+          <a:p>
+            <a:pPr marL="0" indent="0" algn="l" rtl="0">
+              <a:lnSpc>
+                <a:spcPct val="100000"/>
+              </a:lnSpc>
+              <a:spcBef>
+                <a:spcPts val="0"/>
+              </a:spcBef>
+              <a:spcAft>
+                <a:spcPts val="0"/>
+              </a:spcAft>
+              <a:buNone/>
+            </a:pPr>
+            <a:r>
+              <a:rPr lang="en-US" dirty="0" smtClean="0"/>
+              <a:t>else</a:t>
+            </a:r>
+          </a:p>
+          <a:p>
+            <a:pPr marL="0" indent="0" algn="l" rtl="0">
+              <a:lnSpc>
+                <a:spcPct val="100000"/>
+              </a:lnSpc>
+              <a:spcBef>
+                <a:spcPts val="0"/>
+              </a:spcBef>
+              <a:spcAft>
+                <a:spcPts val="0"/>
+              </a:spcAft>
+              <a:buNone/>
+            </a:pPr>
+            <a:r>
+              <a:rPr lang="en-US" dirty="0" err="1" smtClean="0"/>
+              <a:t>MessageBox.Show</a:t>
+            </a:r>
+            <a:r>
+              <a:rPr lang="en-US" dirty="0" smtClean="0"/>
+              <a:t>(Reject);</a:t>
+            </a:r>
+            <a:endParaRPr lang="en-US" dirty="0"/>
+          </a:p>
+          <a:p>
+            <a:pPr marL="0" indent="0" algn="l" rtl="0">
+              <a:lnSpc>
+                <a:spcPct val="100000"/>
+              </a:lnSpc>
+              <a:spcBef>
+                <a:spcPts val="0"/>
+              </a:spcBef>
+              <a:spcAft>
+                <a:spcPts val="0"/>
+              </a:spcAft>
+              <a:buNone/>
+            </a:pPr>
+            <a:endParaRPr lang="en-US" dirty="0"/>
+          </a:p>
+          <a:p>
+            <a:pPr marL="0" indent="0" algn="l" rtl="0">
+              <a:lnSpc>
+                <a:spcPct val="100000"/>
+              </a:lnSpc>
+              <a:spcBef>
+                <a:spcPts val="0"/>
+              </a:spcBef>
+              <a:spcAft>
+                <a:spcPts val="0"/>
+              </a:spcAft>
+              <a:buNone/>
+            </a:pPr>
+            <a:endParaRPr lang="en-US" dirty="0" smtClean="0"/>
+          </a:p>
+          <a:p>
+            <a:pPr marL="0" indent="0">
+              <a:lnSpc>
+                <a:spcPct val="100000"/>
+              </a:lnSpc>
+              <a:spcBef>
+                <a:spcPts val="0"/>
+              </a:spcBef>
+              <a:spcAft>
+                <a:spcPts val="0"/>
+              </a:spcAft>
+              <a:buNone/>
+            </a:pPr>
+            <a:endParaRPr lang="en-US" sz="2000" dirty="0"/>
+          </a:p>
+        </p:txBody>
+      </p:sp>
+      <p:sp>
+        <p:nvSpPr>
+          <p:cNvPr id="6" name="Title 1"/>
+          <p:cNvSpPr>
+            <a:spLocks noGrp="1"/>
+          </p:cNvSpPr>
+          <p:nvPr>
+            <p:ph type="title"/>
+          </p:nvPr>
+        </p:nvSpPr>
+        <p:spPr>
+          <a:xfrm>
+            <a:off x="1154954" y="973668"/>
+            <a:ext cx="8761413" cy="706964"/>
+          </a:xfrm>
+        </p:spPr>
+        <p:txBody>
+          <a:bodyPr/>
+          <a:lstStyle/>
+          <a:p>
+            <a:r>
+              <a:rPr lang="fa-IR" dirty="0" smtClean="0"/>
+              <a:t>پرسش</a:t>
+            </a:r>
+            <a:endParaRPr lang="en-US" dirty="0"/>
+          </a:p>
+        </p:txBody>
+      </p:sp>
+    </p:spTree>
+    <p:extLst>
+      <p:ext uri="{BB962C8B-B14F-4D97-AF65-F5344CB8AC3E}">
+        <p14:creationId xmlns:p14="http://schemas.microsoft.com/office/powerpoint/2010/main" val="2082851500"/>
+      </p:ext>
+    </p:extLst>
+  </p:cSld>
+  <p:clrMapOvr>
+    <a:masterClrMapping/>
+  </p:clrMapOvr>
+  <p:timing>
+    <p:tnLst>
+      <p:par>
+        <p:cTn id="1" dur="indefinite" restart="never" nodeType="tmRoot"/>
+      </p:par>
+    </p:tnLst>
+  </p:timing>
+</p:sld>
+</file>
+
+<file path=ppt/slides/slide18.xml><?xml version="1.0" encoding="utf-8"?>
+<p:sld xmlns:a="http://schemas.openxmlformats.org/drawingml/2006/main" xmlns:r="http://schemas.openxmlformats.org/officeDocument/2006/relationships" xmlns:p="http://schemas.openxmlformats.org/presentationml/2006/main">
+  <p:cSld>
+    <p:spTree>
+      <p:nvGrpSpPr>
+        <p:cNvPr id="1" name=""/>
+        <p:cNvGrpSpPr/>
+        <p:nvPr/>
+      </p:nvGrpSpPr>
+      <p:grpSpPr>
+        <a:xfrm>
+          <a:off x="0" y="0"/>
+          <a:ext cx="0" cy="0"/>
+          <a:chOff x="0" y="0"/>
+          <a:chExt cx="0" cy="0"/>
+        </a:xfrm>
+      </p:grpSpPr>
+      <p:sp>
+        <p:nvSpPr>
+          <p:cNvPr id="3" name="Content Placeholder 2"/>
+          <p:cNvSpPr>
+            <a:spLocks noGrp="1"/>
+          </p:cNvSpPr>
+          <p:nvPr>
+            <p:ph idx="1"/>
+          </p:nvPr>
+        </p:nvSpPr>
+        <p:spPr>
+          <a:xfrm>
+            <a:off x="561110" y="2305878"/>
+            <a:ext cx="11082593" cy="4552121"/>
+          </a:xfrm>
+        </p:spPr>
+        <p:txBody>
+          <a:bodyPr>
+            <a:normAutofit/>
+          </a:bodyPr>
+          <a:lstStyle/>
+          <a:p>
+            <a:r>
+              <a:rPr lang="fa-IR" sz="2800" dirty="0" smtClean="0"/>
+              <a:t>سری </a:t>
+            </a:r>
+            <a:r>
+              <a:rPr lang="fa-IR" sz="2800" dirty="0"/>
+              <a:t>5</a:t>
+            </a:r>
+            <a:endParaRPr lang="fa-IR" sz="2800" dirty="0" smtClean="0"/>
+          </a:p>
+          <a:p>
+            <a:pPr marL="0" indent="0">
+              <a:spcBef>
+                <a:spcPts val="0"/>
+              </a:spcBef>
+              <a:spcAft>
+                <a:spcPts val="0"/>
+              </a:spcAft>
+              <a:buNone/>
+            </a:pPr>
+            <a:r>
+              <a:rPr lang="fa-IR" dirty="0" smtClean="0"/>
+              <a:t>1- کاربرد دستور </a:t>
+            </a:r>
+            <a:r>
+              <a:rPr lang="en-US" dirty="0" smtClean="0"/>
+              <a:t>switch</a:t>
+            </a:r>
+            <a:r>
+              <a:rPr lang="fa-IR" dirty="0" smtClean="0"/>
+              <a:t> چیست؟ معادل کدام دستور است؟</a:t>
+            </a:r>
+          </a:p>
+          <a:p>
+            <a:pPr marL="0" indent="0">
+              <a:spcBef>
+                <a:spcPts val="0"/>
+              </a:spcBef>
+              <a:spcAft>
+                <a:spcPts val="0"/>
+              </a:spcAft>
+              <a:buNone/>
+            </a:pPr>
+            <a:r>
+              <a:rPr lang="fa-IR" dirty="0"/>
+              <a:t>2- </a:t>
+            </a:r>
+            <a:r>
+              <a:rPr lang="fa-IR" dirty="0" smtClean="0"/>
+              <a:t> برای اینکه بخواهیم یک </a:t>
+            </a:r>
+            <a:r>
+              <a:rPr lang="en-US" dirty="0" err="1" smtClean="0"/>
+              <a:t>ListBox</a:t>
+            </a:r>
+            <a:r>
+              <a:rPr lang="fa-IR" dirty="0" smtClean="0"/>
+              <a:t> همیشه به اندازه کل صفحه شود باید چه کار کنیم؟</a:t>
+            </a:r>
+          </a:p>
+          <a:p>
+            <a:pPr marL="0" indent="0">
+              <a:spcBef>
+                <a:spcPts val="0"/>
+              </a:spcBef>
+              <a:spcAft>
+                <a:spcPts val="0"/>
+              </a:spcAft>
+              <a:buNone/>
+            </a:pPr>
+            <a:r>
+              <a:rPr lang="fa-IR" dirty="0" smtClean="0"/>
+              <a:t>3- اگر نام یک </a:t>
+            </a:r>
+            <a:r>
+              <a:rPr lang="en-US" dirty="0" err="1" smtClean="0"/>
+              <a:t>ListBox</a:t>
+            </a:r>
+            <a:r>
+              <a:rPr lang="fa-IR" dirty="0" smtClean="0"/>
+              <a:t> برابر </a:t>
+            </a:r>
+            <a:r>
+              <a:rPr lang="en-US" dirty="0" err="1" smtClean="0"/>
+              <a:t>lbBox</a:t>
+            </a:r>
+            <a:r>
+              <a:rPr lang="fa-IR" dirty="0" smtClean="0"/>
+              <a:t> باشد کد زیر معادل چیست؟</a:t>
+            </a:r>
+          </a:p>
+          <a:p>
+            <a:pPr marL="0" indent="0" algn="l">
+              <a:spcBef>
+                <a:spcPts val="0"/>
+              </a:spcBef>
+              <a:spcAft>
+                <a:spcPts val="0"/>
+              </a:spcAft>
+              <a:buNone/>
+            </a:pPr>
+            <a:r>
+              <a:rPr lang="en-US" dirty="0" err="1" smtClean="0"/>
+              <a:t>lbBox.Items</a:t>
+            </a:r>
+            <a:r>
+              <a:rPr lang="en-US" dirty="0" smtClean="0"/>
+              <a:t>[</a:t>
+            </a:r>
+            <a:r>
+              <a:rPr lang="en-US" dirty="0" err="1" smtClean="0"/>
+              <a:t>lbBox.SeclectedIndex</a:t>
+            </a:r>
+            <a:r>
+              <a:rPr lang="en-US" dirty="0" smtClean="0"/>
+              <a:t>].</a:t>
+            </a:r>
+            <a:r>
+              <a:rPr lang="en-US" dirty="0" err="1" smtClean="0"/>
+              <a:t>ToString</a:t>
+            </a:r>
+            <a:r>
+              <a:rPr lang="en-US" dirty="0" smtClean="0"/>
+              <a:t>()</a:t>
+            </a:r>
+          </a:p>
+          <a:p>
+            <a:pPr marL="0" indent="0">
+              <a:spcBef>
+                <a:spcPts val="0"/>
+              </a:spcBef>
+              <a:spcAft>
+                <a:spcPts val="0"/>
+              </a:spcAft>
+              <a:buNone/>
+            </a:pPr>
+            <a:r>
+              <a:rPr lang="fa-IR" dirty="0" smtClean="0"/>
+              <a:t>4- دستور </a:t>
+            </a:r>
+            <a:r>
+              <a:rPr lang="en-US" dirty="0" smtClean="0"/>
+              <a:t>break </a:t>
+            </a:r>
+            <a:r>
+              <a:rPr lang="fa-IR" dirty="0" smtClean="0"/>
+              <a:t> چه کاربری دارد؟</a:t>
+            </a:r>
+            <a:endParaRPr lang="en-US" dirty="0"/>
+          </a:p>
+          <a:p>
+            <a:pPr marL="0" indent="0">
+              <a:lnSpc>
+                <a:spcPct val="100000"/>
+              </a:lnSpc>
+              <a:spcBef>
+                <a:spcPts val="0"/>
+              </a:spcBef>
+              <a:spcAft>
+                <a:spcPts val="0"/>
+              </a:spcAft>
+              <a:buNone/>
+            </a:pPr>
+            <a:endParaRPr lang="en-US" sz="2000" dirty="0"/>
+          </a:p>
+        </p:txBody>
+      </p:sp>
+      <p:sp>
+        <p:nvSpPr>
+          <p:cNvPr id="6" name="Title 1"/>
+          <p:cNvSpPr>
+            <a:spLocks noGrp="1"/>
+          </p:cNvSpPr>
+          <p:nvPr>
+            <p:ph type="title"/>
+          </p:nvPr>
+        </p:nvSpPr>
+        <p:spPr>
+          <a:xfrm>
+            <a:off x="1154954" y="973668"/>
+            <a:ext cx="8761413" cy="706964"/>
+          </a:xfrm>
+        </p:spPr>
+        <p:txBody>
+          <a:bodyPr/>
+          <a:lstStyle/>
+          <a:p>
+            <a:r>
+              <a:rPr lang="fa-IR" dirty="0" smtClean="0"/>
+              <a:t>پرسش</a:t>
+            </a:r>
+            <a:endParaRPr lang="en-US" dirty="0"/>
+          </a:p>
+        </p:txBody>
+      </p:sp>
+    </p:spTree>
+    <p:extLst>
+      <p:ext uri="{BB962C8B-B14F-4D97-AF65-F5344CB8AC3E}">
+        <p14:creationId xmlns:p14="http://schemas.microsoft.com/office/powerpoint/2010/main" val="1412781381"/>
+      </p:ext>
+    </p:extLst>
+  </p:cSld>
+  <p:clrMapOvr>
+    <a:masterClrMapping/>
+  </p:clrMapOvr>
+  <p:timing>
+    <p:tnLst>
+      <p:par>
+        <p:cTn id="1" dur="indefinite" restart="never" nodeType="tmRoot"/>
+      </p:par>
+    </p:tnLst>
+  </p:timing>
+</p:sld>
+</file>
+
+<file path=ppt/slides/slide19.xml><?xml version="1.0" encoding="utf-8"?>
+<p:sld xmlns:a="http://schemas.openxmlformats.org/drawingml/2006/main" xmlns:r="http://schemas.openxmlformats.org/officeDocument/2006/relationships" xmlns:p="http://schemas.openxmlformats.org/presentationml/2006/main">
+  <p:cSld>
+    <p:spTree>
+      <p:nvGrpSpPr>
+        <p:cNvPr id="1" name=""/>
+        <p:cNvGrpSpPr/>
+        <p:nvPr/>
+      </p:nvGrpSpPr>
+      <p:grpSpPr>
+        <a:xfrm>
+          <a:off x="0" y="0"/>
+          <a:ext cx="0" cy="0"/>
+          <a:chOff x="0" y="0"/>
+          <a:chExt cx="0" cy="0"/>
+        </a:xfrm>
+      </p:grpSpPr>
+      <p:sp>
+        <p:nvSpPr>
+          <p:cNvPr id="3" name="Content Placeholder 2"/>
+          <p:cNvSpPr>
+            <a:spLocks noGrp="1"/>
+          </p:cNvSpPr>
+          <p:nvPr>
+            <p:ph idx="1"/>
+          </p:nvPr>
+        </p:nvSpPr>
+        <p:spPr>
+          <a:xfrm>
+            <a:off x="561110" y="2305878"/>
+            <a:ext cx="11082593" cy="4552121"/>
+          </a:xfrm>
+        </p:spPr>
+        <p:txBody>
+          <a:bodyPr>
+            <a:normAutofit fontScale="70000" lnSpcReduction="20000"/>
+          </a:bodyPr>
+          <a:lstStyle/>
+          <a:p>
+            <a:r>
+              <a:rPr lang="fa-IR" sz="3400" dirty="0" smtClean="0"/>
+              <a:t>ادامه سری 5 (ازمون 5)</a:t>
+            </a:r>
+          </a:p>
+          <a:p>
+            <a:pPr marL="0" indent="0">
+              <a:spcBef>
+                <a:spcPts val="0"/>
+              </a:spcBef>
+              <a:spcAft>
+                <a:spcPts val="0"/>
+              </a:spcAft>
+              <a:buNone/>
+            </a:pPr>
+            <a:r>
+              <a:rPr lang="fa-IR" sz="2900" dirty="0" smtClean="0"/>
+              <a:t>5- کد زیر چه چیزی نمایش</a:t>
+            </a:r>
+            <a:r>
+              <a:rPr lang="en-US" sz="2900" dirty="0" smtClean="0"/>
+              <a:t> </a:t>
+            </a:r>
+            <a:r>
+              <a:rPr lang="fa-IR" sz="2900" dirty="0" smtClean="0"/>
+              <a:t>می دهد:</a:t>
+            </a:r>
+          </a:p>
+          <a:p>
+            <a:pPr marL="0" indent="0" algn="l" rtl="0">
+              <a:spcBef>
+                <a:spcPts val="0"/>
+              </a:spcBef>
+              <a:spcAft>
+                <a:spcPts val="0"/>
+              </a:spcAft>
+              <a:buNone/>
+            </a:pPr>
+            <a:r>
+              <a:rPr lang="en-US" dirty="0" smtClean="0"/>
+              <a:t>string </a:t>
+            </a:r>
+            <a:r>
+              <a:rPr lang="en-US" dirty="0" err="1" smtClean="0"/>
+              <a:t>str</a:t>
+            </a:r>
+            <a:r>
+              <a:rPr lang="en-US" dirty="0" smtClean="0"/>
+              <a:t>=“Book”;</a:t>
+            </a:r>
+          </a:p>
+          <a:p>
+            <a:pPr marL="0" indent="0" algn="l" rtl="0">
+              <a:spcBef>
+                <a:spcPts val="0"/>
+              </a:spcBef>
+              <a:spcAft>
+                <a:spcPts val="0"/>
+              </a:spcAft>
+              <a:buNone/>
+            </a:pPr>
+            <a:r>
+              <a:rPr lang="en-US" dirty="0" smtClean="0"/>
+              <a:t>switch (</a:t>
+            </a:r>
+            <a:r>
+              <a:rPr lang="en-US" dirty="0" err="1" smtClean="0"/>
+              <a:t>str.ToLower</a:t>
+            </a:r>
+            <a:r>
+              <a:rPr lang="en-US" dirty="0" smtClean="0"/>
+              <a:t>())</a:t>
+            </a:r>
+          </a:p>
+          <a:p>
+            <a:pPr marL="0" indent="0" algn="l" rtl="0">
+              <a:spcBef>
+                <a:spcPts val="0"/>
+              </a:spcBef>
+              <a:spcAft>
+                <a:spcPts val="0"/>
+              </a:spcAft>
+              <a:buNone/>
+            </a:pPr>
+            <a:r>
+              <a:rPr lang="en-US" dirty="0" smtClean="0"/>
+              <a:t>{</a:t>
+            </a:r>
+          </a:p>
+          <a:p>
+            <a:pPr marL="0" indent="0" algn="l" rtl="0">
+              <a:spcBef>
+                <a:spcPts val="0"/>
+              </a:spcBef>
+              <a:spcAft>
+                <a:spcPts val="0"/>
+              </a:spcAft>
+              <a:buNone/>
+            </a:pPr>
+            <a:r>
+              <a:rPr lang="en-US" dirty="0" smtClean="0"/>
+              <a:t>case “Book”:</a:t>
+            </a:r>
+          </a:p>
+          <a:p>
+            <a:pPr marL="0" indent="0" algn="l" rtl="0">
+              <a:spcBef>
+                <a:spcPts val="0"/>
+              </a:spcBef>
+              <a:spcAft>
+                <a:spcPts val="0"/>
+              </a:spcAft>
+              <a:buNone/>
+            </a:pPr>
+            <a:r>
+              <a:rPr lang="en-US" dirty="0" err="1" smtClean="0"/>
+              <a:t>MessageBox.Show</a:t>
+            </a:r>
+            <a:r>
+              <a:rPr lang="en-US" dirty="0" smtClean="0"/>
+              <a:t>(“Book, My Best Friend!”);</a:t>
+            </a:r>
+          </a:p>
+          <a:p>
+            <a:pPr marL="0" indent="0" algn="l" rtl="0">
+              <a:spcBef>
+                <a:spcPts val="0"/>
+              </a:spcBef>
+              <a:spcAft>
+                <a:spcPts val="0"/>
+              </a:spcAft>
+              <a:buNone/>
+            </a:pPr>
+            <a:r>
+              <a:rPr lang="en-US" dirty="0" smtClean="0"/>
+              <a:t>break;</a:t>
+            </a:r>
+          </a:p>
+          <a:p>
+            <a:pPr marL="0" indent="0" algn="l" rtl="0">
+              <a:spcBef>
+                <a:spcPts val="0"/>
+              </a:spcBef>
+              <a:spcAft>
+                <a:spcPts val="0"/>
+              </a:spcAft>
+              <a:buNone/>
+            </a:pPr>
+            <a:r>
+              <a:rPr lang="en-US" dirty="0" smtClean="0"/>
+              <a:t>default :</a:t>
+            </a:r>
+          </a:p>
+          <a:p>
+            <a:pPr marL="0" indent="0" algn="l" rtl="0">
+              <a:spcBef>
+                <a:spcPts val="0"/>
+              </a:spcBef>
+              <a:spcAft>
+                <a:spcPts val="0"/>
+              </a:spcAft>
+              <a:buNone/>
+            </a:pPr>
+            <a:r>
+              <a:rPr lang="en-US" dirty="0" err="1"/>
+              <a:t>MessageBox.Show</a:t>
+            </a:r>
+            <a:r>
+              <a:rPr lang="en-US" dirty="0" smtClean="0"/>
+              <a:t>(“no book, not power”);</a:t>
+            </a:r>
+          </a:p>
+          <a:p>
+            <a:pPr marL="0" indent="0" algn="l" rtl="0">
+              <a:spcBef>
+                <a:spcPts val="0"/>
+              </a:spcBef>
+              <a:spcAft>
+                <a:spcPts val="0"/>
+              </a:spcAft>
+              <a:buNone/>
+            </a:pPr>
+            <a:r>
+              <a:rPr lang="en-US" dirty="0" smtClean="0"/>
+              <a:t>break;</a:t>
+            </a:r>
+          </a:p>
+          <a:p>
+            <a:pPr marL="0" indent="0" algn="l" rtl="0">
+              <a:spcBef>
+                <a:spcPts val="0"/>
+              </a:spcBef>
+              <a:spcAft>
+                <a:spcPts val="0"/>
+              </a:spcAft>
+              <a:buNone/>
+            </a:pPr>
+            <a:r>
+              <a:rPr lang="en-US" dirty="0" smtClean="0"/>
+              <a:t>}</a:t>
+            </a:r>
+            <a:endParaRPr lang="en-US" dirty="0"/>
+          </a:p>
+        </p:txBody>
+      </p:sp>
+      <p:sp>
+        <p:nvSpPr>
+          <p:cNvPr id="6" name="Title 1"/>
+          <p:cNvSpPr>
+            <a:spLocks noGrp="1"/>
+          </p:cNvSpPr>
+          <p:nvPr>
+            <p:ph type="title"/>
+          </p:nvPr>
+        </p:nvSpPr>
+        <p:spPr>
+          <a:xfrm>
+            <a:off x="1154954" y="973668"/>
+            <a:ext cx="8761413" cy="706964"/>
+          </a:xfrm>
+        </p:spPr>
+        <p:txBody>
+          <a:bodyPr/>
+          <a:lstStyle/>
+          <a:p>
+            <a:r>
+              <a:rPr lang="fa-IR" dirty="0" smtClean="0"/>
+              <a:t>پرسش</a:t>
+            </a:r>
+            <a:endParaRPr lang="en-US" dirty="0"/>
+          </a:p>
+        </p:txBody>
+      </p:sp>
+    </p:spTree>
+    <p:extLst>
+      <p:ext uri="{BB962C8B-B14F-4D97-AF65-F5344CB8AC3E}">
+        <p14:creationId xmlns:p14="http://schemas.microsoft.com/office/powerpoint/2010/main" val="1509592044"/>
       </p:ext>
     </p:extLst>
   </p:cSld>
@@ -15959,19 +17026,19 @@
             </a:pPr>
             <a:r>
               <a:rPr lang="fa-IR" dirty="0" smtClean="0"/>
-              <a:t>۲- برای </a:t>
+              <a:t>2- برای </a:t>
             </a:r>
             <a:r>
               <a:rPr lang="fa-IR" dirty="0"/>
-              <a:t>ایجاد برنامه ویندوزی از چه گزینه ای در </a:t>
-            </a:r>
-            <a:r>
-              <a:rPr lang="en-US" dirty="0" err="1"/>
-              <a:t>vs</a:t>
+              <a:t>ایجاد برنامه ویندوزی در </a:t>
+            </a:r>
+            <a:r>
+              <a:rPr lang="en-US" dirty="0"/>
+              <a:t>VS</a:t>
             </a:r>
             <a:r>
               <a:rPr lang="fa-IR" dirty="0"/>
-              <a:t> استفاده میکنیم؟</a:t>
+              <a:t> باید کدام گزینه را موقع تعریف پروژه انتخاب کرد؟</a:t>
             </a:r>
           </a:p>
           <a:p>
@@ -15992,7 +17059,11 @@
             </a:r>
             <a:r>
               <a:rPr lang="fa-IR" dirty="0"/>
-              <a:t> را نام ببرید و کاربرد هر یک را مختصر توضیح دهید؟</a:t>
+              <a:t> را نام ببرید و کاربرد هر یک را مختصر توضیح دهید</a:t>
+            </a:r>
+            <a:r>
+              <a:rPr lang="fa-IR" dirty="0" smtClean="0"/>
+              <a:t>؟</a:t>
             </a:r>
           </a:p>
           <a:p>
@@ -16086,6 +17157,387 @@
     <p:extLst>
       <p:ext uri="{BB962C8B-B14F-4D97-AF65-F5344CB8AC3E}">
         <p14:creationId xmlns:p14="http://schemas.microsoft.com/office/powerpoint/2010/main" val="3512649617"/>
+      </p:ext>
+    </p:extLst>
+  </p:cSld>
+  <p:clrMapOvr>
+    <a:masterClrMapping/>
+  </p:clrMapOvr>
+  <p:timing>
+    <p:tnLst>
+      <p:par>
+        <p:cTn id="1" dur="indefinite" restart="never" nodeType="tmRoot"/>
+      </p:par>
+    </p:tnLst>
+  </p:timing>
+</p:sld>
+</file>
+
+<file path=ppt/slides/slide20.xml><?xml version="1.0" encoding="utf-8"?>
+<p:sld xmlns:a="http://schemas.openxmlformats.org/drawingml/2006/main" xmlns:r="http://schemas.openxmlformats.org/officeDocument/2006/relationships" xmlns:p="http://schemas.openxmlformats.org/presentationml/2006/main">
+  <p:cSld>
+    <p:spTree>
+      <p:nvGrpSpPr>
+        <p:cNvPr id="1" name=""/>
+        <p:cNvGrpSpPr/>
+        <p:nvPr/>
+      </p:nvGrpSpPr>
+      <p:grpSpPr>
+        <a:xfrm>
+          <a:off x="0" y="0"/>
+          <a:ext cx="0" cy="0"/>
+          <a:chOff x="0" y="0"/>
+          <a:chExt cx="0" cy="0"/>
+        </a:xfrm>
+      </p:grpSpPr>
+      <p:sp>
+        <p:nvSpPr>
+          <p:cNvPr id="3" name="Content Placeholder 2"/>
+          <p:cNvSpPr>
+            <a:spLocks noGrp="1"/>
+          </p:cNvSpPr>
+          <p:nvPr>
+            <p:ph idx="1"/>
+          </p:nvPr>
+        </p:nvSpPr>
+        <p:spPr>
+          <a:xfrm>
+            <a:off x="561110" y="2305878"/>
+            <a:ext cx="11082593" cy="4552121"/>
+          </a:xfrm>
+        </p:spPr>
+        <p:txBody>
+          <a:bodyPr>
+            <a:normAutofit/>
+          </a:bodyPr>
+          <a:lstStyle/>
+          <a:p>
+            <a:r>
+              <a:rPr lang="fa-IR" sz="2800" dirty="0" smtClean="0"/>
+              <a:t>سری </a:t>
+            </a:r>
+            <a:r>
+              <a:rPr lang="fa-IR" sz="2800" dirty="0"/>
+              <a:t>6</a:t>
+            </a:r>
+            <a:endParaRPr lang="fa-IR" sz="2800" dirty="0" smtClean="0"/>
+          </a:p>
+          <a:p>
+            <a:pPr marL="0" indent="0">
+              <a:spcBef>
+                <a:spcPts val="0"/>
+              </a:spcBef>
+              <a:spcAft>
+                <a:spcPts val="0"/>
+              </a:spcAft>
+              <a:buNone/>
+            </a:pPr>
+            <a:r>
+              <a:rPr lang="fa-IR" dirty="0" smtClean="0"/>
+              <a:t>1- </a:t>
+            </a:r>
+            <a:r>
+              <a:rPr lang="fa-IR" dirty="0" smtClean="0"/>
+              <a:t> اگر بخواهیم اعداد 1 تا 5 را پشت سر هم نمایش دهیم باید از چه دستوری استفاده کنیم؟</a:t>
+            </a:r>
+          </a:p>
+          <a:p>
+            <a:pPr marL="0" indent="0">
+              <a:spcBef>
+                <a:spcPts val="0"/>
+              </a:spcBef>
+              <a:spcAft>
+                <a:spcPts val="0"/>
+              </a:spcAft>
+              <a:buNone/>
+            </a:pPr>
+            <a:r>
+              <a:rPr lang="fa-IR" dirty="0" smtClean="0"/>
+              <a:t>2- </a:t>
+            </a:r>
+            <a:r>
+              <a:rPr lang="en-US" dirty="0" smtClean="0"/>
+              <a:t>Loop</a:t>
+            </a:r>
+            <a:r>
+              <a:rPr lang="fa-IR" dirty="0" smtClean="0"/>
+              <a:t> چیست؟</a:t>
+            </a:r>
+          </a:p>
+          <a:p>
+            <a:pPr marL="0" indent="0">
+              <a:spcBef>
+                <a:spcPts val="0"/>
+              </a:spcBef>
+              <a:spcAft>
+                <a:spcPts val="0"/>
+              </a:spcAft>
+              <a:buNone/>
+            </a:pPr>
+            <a:r>
+              <a:rPr lang="fa-IR" dirty="0" smtClean="0"/>
+              <a:t>3- کد زیر چه خطایی دارد؟</a:t>
+            </a:r>
+          </a:p>
+          <a:p>
+            <a:pPr marL="0" indent="0" algn="l" rtl="0">
+              <a:spcBef>
+                <a:spcPts val="0"/>
+              </a:spcBef>
+              <a:spcAft>
+                <a:spcPts val="0"/>
+              </a:spcAft>
+              <a:buNone/>
+            </a:pPr>
+            <a:r>
+              <a:rPr lang="en-US" dirty="0" smtClean="0"/>
+              <a:t>for  (count = 2  ; count &lt; 5  :  count + )</a:t>
+            </a:r>
+          </a:p>
+          <a:p>
+            <a:pPr marL="0" indent="0" algn="l" rtl="0">
+              <a:spcBef>
+                <a:spcPts val="0"/>
+              </a:spcBef>
+              <a:spcAft>
+                <a:spcPts val="0"/>
+              </a:spcAft>
+              <a:buNone/>
+            </a:pPr>
+            <a:r>
+              <a:rPr lang="en-US" dirty="0" err="1" smtClean="0"/>
+              <a:t>MessageBox.Show</a:t>
+            </a:r>
+            <a:r>
+              <a:rPr lang="en-US" dirty="0" smtClean="0"/>
+              <a:t>(“number is ” , count);</a:t>
+            </a:r>
+          </a:p>
+          <a:p>
+            <a:pPr marL="0" indent="0" algn="l" rtl="0">
+              <a:spcBef>
+                <a:spcPts val="0"/>
+              </a:spcBef>
+              <a:spcAft>
+                <a:spcPts val="0"/>
+              </a:spcAft>
+              <a:buNone/>
+            </a:pPr>
+            <a:r>
+              <a:rPr lang="en-US" dirty="0"/>
+              <a:t>}</a:t>
+            </a:r>
+            <a:endParaRPr lang="en-US" dirty="0"/>
+          </a:p>
+          <a:p>
+            <a:pPr marL="0" indent="0">
+              <a:lnSpc>
+                <a:spcPct val="100000"/>
+              </a:lnSpc>
+              <a:spcBef>
+                <a:spcPts val="0"/>
+              </a:spcBef>
+              <a:spcAft>
+                <a:spcPts val="0"/>
+              </a:spcAft>
+              <a:buNone/>
+            </a:pPr>
+            <a:endParaRPr lang="en-US" sz="2000" dirty="0"/>
+          </a:p>
+        </p:txBody>
+      </p:sp>
+      <p:sp>
+        <p:nvSpPr>
+          <p:cNvPr id="6" name="Title 1"/>
+          <p:cNvSpPr>
+            <a:spLocks noGrp="1"/>
+          </p:cNvSpPr>
+          <p:nvPr>
+            <p:ph type="title"/>
+          </p:nvPr>
+        </p:nvSpPr>
+        <p:spPr>
+          <a:xfrm>
+            <a:off x="1154954" y="973668"/>
+            <a:ext cx="8761413" cy="706964"/>
+          </a:xfrm>
+        </p:spPr>
+        <p:txBody>
+          <a:bodyPr/>
+          <a:lstStyle/>
+          <a:p>
+            <a:r>
+              <a:rPr lang="fa-IR" dirty="0" smtClean="0"/>
+              <a:t>پرسش</a:t>
+            </a:r>
+            <a:endParaRPr lang="en-US" dirty="0"/>
+          </a:p>
+        </p:txBody>
+      </p:sp>
+    </p:spTree>
+    <p:extLst>
+      <p:ext uri="{BB962C8B-B14F-4D97-AF65-F5344CB8AC3E}">
+        <p14:creationId xmlns:p14="http://schemas.microsoft.com/office/powerpoint/2010/main" val="2789461085"/>
+      </p:ext>
+    </p:extLst>
+  </p:cSld>
+  <p:clrMapOvr>
+    <a:masterClrMapping/>
+  </p:clrMapOvr>
+  <p:timing>
+    <p:tnLst>
+      <p:par>
+        <p:cTn id="1" dur="indefinite" restart="never" nodeType="tmRoot"/>
+      </p:par>
+    </p:tnLst>
+  </p:timing>
+</p:sld>
+</file>
+
+<file path=ppt/slides/slide21.xml><?xml version="1.0" encoding="utf-8"?>
+<p:sld xmlns:a="http://schemas.openxmlformats.org/drawingml/2006/main" xmlns:r="http://schemas.openxmlformats.org/officeDocument/2006/relationships" xmlns:p="http://schemas.openxmlformats.org/presentationml/2006/main">
+  <p:cSld>
+    <p:spTree>
+      <p:nvGrpSpPr>
+        <p:cNvPr id="1" name=""/>
+        <p:cNvGrpSpPr/>
+        <p:nvPr/>
+      </p:nvGrpSpPr>
+      <p:grpSpPr>
+        <a:xfrm>
+          <a:off x="0" y="0"/>
+          <a:ext cx="0" cy="0"/>
+          <a:chOff x="0" y="0"/>
+          <a:chExt cx="0" cy="0"/>
+        </a:xfrm>
+      </p:grpSpPr>
+      <p:sp>
+        <p:nvSpPr>
+          <p:cNvPr id="3" name="Content Placeholder 2"/>
+          <p:cNvSpPr>
+            <a:spLocks noGrp="1"/>
+          </p:cNvSpPr>
+          <p:nvPr>
+            <p:ph idx="1"/>
+          </p:nvPr>
+        </p:nvSpPr>
+        <p:spPr>
+          <a:xfrm>
+            <a:off x="561110" y="2305878"/>
+            <a:ext cx="11082593" cy="4552121"/>
+          </a:xfrm>
+        </p:spPr>
+        <p:txBody>
+          <a:bodyPr>
+            <a:normAutofit/>
+          </a:bodyPr>
+          <a:lstStyle/>
+          <a:p>
+            <a:r>
+              <a:rPr lang="fa-IR" sz="2800" dirty="0" smtClean="0"/>
+              <a:t>ادامه سری </a:t>
+            </a:r>
+            <a:r>
+              <a:rPr lang="fa-IR" sz="2800" dirty="0"/>
+              <a:t>6</a:t>
+            </a:r>
+            <a:endParaRPr lang="fa-IR" sz="2800" dirty="0" smtClean="0"/>
+          </a:p>
+          <a:p>
+            <a:pPr marL="0" indent="0">
+              <a:spcBef>
+                <a:spcPts val="0"/>
+              </a:spcBef>
+              <a:spcAft>
+                <a:spcPts val="0"/>
+              </a:spcAft>
+              <a:buNone/>
+            </a:pPr>
+            <a:r>
+              <a:rPr lang="fa-IR" dirty="0" smtClean="0"/>
+              <a:t>4- دستور </a:t>
+            </a:r>
+            <a:r>
+              <a:rPr lang="en-US" dirty="0" smtClean="0"/>
+              <a:t>for</a:t>
+            </a:r>
+            <a:r>
+              <a:rPr lang="fa-IR" dirty="0" smtClean="0"/>
+              <a:t> با </a:t>
+            </a:r>
+            <a:r>
+              <a:rPr lang="en-US" dirty="0" err="1" smtClean="0"/>
+              <a:t>foreach</a:t>
+            </a:r>
+            <a:r>
+              <a:rPr lang="fa-IR" dirty="0" smtClean="0"/>
+              <a:t> چه فرقی دارد؟</a:t>
+            </a:r>
+          </a:p>
+          <a:p>
+            <a:pPr marL="0" indent="0">
+              <a:spcBef>
+                <a:spcPts val="0"/>
+              </a:spcBef>
+              <a:spcAft>
+                <a:spcPts val="0"/>
+              </a:spcAft>
+              <a:buNone/>
+            </a:pPr>
+            <a:r>
+              <a:rPr lang="fa-IR" dirty="0" smtClean="0"/>
+              <a:t>5- برای گرفتن نام فولدرها باید از چه کلاسی استفاده کرد؟</a:t>
+            </a:r>
+          </a:p>
+          <a:p>
+            <a:pPr marL="0" indent="0">
+              <a:lnSpc>
+                <a:spcPct val="100000"/>
+              </a:lnSpc>
+              <a:spcBef>
+                <a:spcPts val="0"/>
+              </a:spcBef>
+              <a:spcAft>
+                <a:spcPts val="0"/>
+              </a:spcAft>
+              <a:buNone/>
+            </a:pPr>
+            <a:endParaRPr lang="en-US" sz="2000" dirty="0"/>
+          </a:p>
+        </p:txBody>
+      </p:sp>
+      <p:sp>
+        <p:nvSpPr>
+          <p:cNvPr id="6" name="Title 1"/>
+          <p:cNvSpPr>
+            <a:spLocks noGrp="1"/>
+          </p:cNvSpPr>
+          <p:nvPr>
+            <p:ph type="title"/>
+          </p:nvPr>
+        </p:nvSpPr>
+        <p:spPr>
+          <a:xfrm>
+            <a:off x="1154954" y="973668"/>
+            <a:ext cx="8761413" cy="706964"/>
+          </a:xfrm>
+        </p:spPr>
+        <p:txBody>
+          <a:bodyPr/>
+          <a:lstStyle/>
+          <a:p>
+            <a:r>
+              <a:rPr lang="fa-IR" dirty="0" smtClean="0"/>
+              <a:t>پرسش</a:t>
+            </a:r>
+            <a:endParaRPr lang="en-US" dirty="0"/>
+          </a:p>
+        </p:txBody>
+      </p:sp>
+    </p:spTree>
+    <p:extLst>
+      <p:ext uri="{BB962C8B-B14F-4D97-AF65-F5344CB8AC3E}">
+        <p14:creationId xmlns:p14="http://schemas.microsoft.com/office/powerpoint/2010/main" val="1883965416"/>
       </p:ext>
     </p:extLst>
   </p:cSld>
@@ -16137,7 +17589,7 @@
         </p:spPr>
         <p:txBody>
           <a:bodyPr>
-            <a:normAutofit/>
+            <a:normAutofit lnSpcReduction="10000"/>
           </a:bodyPr>
           <a:lstStyle/>
           <a:p>
@@ -16266,7 +17718,26 @@
             <a:endParaRPr lang="fa-IR" dirty="0" smtClean="0"/>
           </a:p>
           <a:p>
-            <a:endParaRPr lang="en-US" sz="2800" dirty="0"/>
+            <a:pPr marL="0" indent="0">
+              <a:buNone/>
+            </a:pPr>
+            <a:r>
+              <a:rPr lang="fa-IR" sz="2800" dirty="0" smtClean="0"/>
+              <a:t>9-</a:t>
+            </a:r>
+            <a:r>
+              <a:rPr lang="fa-IR" dirty="0" smtClean="0"/>
+              <a:t>برای اجرای یک برنامه در </a:t>
+            </a:r>
+            <a:r>
+              <a:rPr lang="en-US" dirty="0" smtClean="0"/>
+              <a:t>VS</a:t>
+            </a:r>
+            <a:r>
+              <a:rPr lang="fa-IR" dirty="0" smtClean="0"/>
+              <a:t> باید چه کاری کرد؟</a:t>
+            </a:r>
+            <a:endParaRPr lang="fa-IR" dirty="0"/>
           </a:p>
         </p:txBody>
       </p:sp>
@@ -16368,7 +17839,7 @@
             </a:pPr>
             <a:r>
               <a:rPr lang="fa-IR" sz="2800" dirty="0" smtClean="0"/>
-              <a:t>۹- </a:t>
+              <a:t>10- </a:t>
             </a:r>
             <a:r>
               <a:rPr lang="fa-IR" dirty="0" smtClean="0"/>
@@ -16464,71 +17935,30 @@
               <a:buNone/>
             </a:pPr>
             <a:r>
-              <a:rPr lang="fa-IR" dirty="0" smtClean="0"/>
-              <a:t>۱۰- کد زیر چه خطاهایی دارد</a:t>
-            </a:r>
-          </a:p>
-          <a:p>
-            <a:pPr marL="0" indent="0" algn="l" rtl="0">
-              <a:lnSpc>
-                <a:spcPct val="100000"/>
-              </a:lnSpc>
-              <a:spcBef>
-                <a:spcPts val="0"/>
-              </a:spcBef>
-              <a:spcAft>
-                <a:spcPts val="0"/>
-              </a:spcAft>
+              <a:rPr lang="fa-IR" sz="2800" dirty="0"/>
+              <a:t>11- فرض کنید با کلیک روی یک دکمه، حاصل جمع دو عدد نمایش داده می شود. برای نام این دکمه (خاصیت</a:t>
+            </a:r>
+            <a:r>
+              <a:rPr lang="en-US" sz="2800" dirty="0"/>
+              <a:t> </a:t>
+            </a:r>
+            <a:r>
+              <a:rPr lang="fa-IR" sz="2800" dirty="0"/>
+              <a:t> </a:t>
+            </a:r>
+            <a:r>
+              <a:rPr lang="en-US" sz="2800" dirty="0"/>
+              <a:t>Name</a:t>
+            </a:r>
+            <a:r>
+              <a:rPr lang="fa-IR" sz="2800" dirty="0"/>
+              <a:t>) چه پیشنهادی دارید؟</a:t>
+            </a:r>
+          </a:p>
+          <a:p>
+            <a:pPr marL="0" indent="0">
               <a:buNone/>
             </a:pPr>
-            <a:r>
-              <a:rPr lang="en-US" dirty="0" err="1" smtClean="0"/>
-              <a:t>int</a:t>
-            </a:r>
-            <a:r>
-              <a:rPr lang="en-US" dirty="0" smtClean="0"/>
-              <a:t> n;</a:t>
-            </a:r>
-          </a:p>
-          <a:p>
-            <a:pPr marL="0" indent="0" algn="l" rtl="0">
-              <a:lnSpc>
-                <a:spcPct val="100000"/>
-              </a:lnSpc>
-              <a:spcBef>
-                <a:spcPts val="0"/>
-              </a:spcBef>
-              <a:spcAft>
-                <a:spcPts val="0"/>
-              </a:spcAft>
-              <a:buNone/>
-            </a:pPr>
-            <a:r>
-              <a:rPr lang="en-US" dirty="0" smtClean="0"/>
-              <a:t>n=1</a:t>
-            </a:r>
-            <a:endParaRPr lang="fa-IR" dirty="0"/>
-          </a:p>
-          <a:p>
-            <a:pPr marL="0" indent="0" algn="l" rtl="0">
-              <a:lnSpc>
-                <a:spcPct val="100000"/>
-              </a:lnSpc>
-              <a:spcBef>
-                <a:spcPts val="0"/>
-              </a:spcBef>
-              <a:spcAft>
-                <a:spcPts val="0"/>
-              </a:spcAft>
-              <a:buNone/>
-            </a:pPr>
-            <a:r>
-              <a:rPr lang="en-US" dirty="0" smtClean="0"/>
-              <a:t>m =    n+1;</a:t>
-            </a:r>
-            <a:endParaRPr lang="fa-IR" dirty="0" smtClean="0"/>
-          </a:p>
-          <a:p>
             <a:endParaRPr lang="en-US" sz="2800" dirty="0"/>
           </a:p>
         </p:txBody>
@@ -16639,144 +18069,108 @@
         </p:spPr>
         <p:txBody>
           <a:bodyPr>
-            <a:normAutofit fontScale="92500" lnSpcReduction="10000"/>
+            <a:normAutofit/>
           </a:bodyPr>
           <a:lstStyle/>
           <a:p>
             <a:r>
               <a:rPr lang="fa-IR" dirty="0" smtClean="0"/>
-              <a:t>سوالات سری 1</a:t>
+              <a:t>ادامه سوالات سری 1</a:t>
+            </a:r>
+          </a:p>
+          <a:p>
+            <a:pPr marL="0" indent="0">
+              <a:buNone/>
+            </a:pPr>
+            <a:r>
+              <a:rPr lang="fa-IR" dirty="0" smtClean="0"/>
+              <a:t>12- وقتی در محیط کدنویسی قرار داریم، چگونه می توانیم وارد محیط طراحی شویم؟</a:t>
+            </a:r>
+          </a:p>
+          <a:p>
+            <a:pPr marL="0" indent="0">
+              <a:buNone/>
+            </a:pPr>
+            <a:r>
+              <a:rPr lang="fa-IR" dirty="0" smtClean="0"/>
+              <a:t>13- منظور از یک بلوک در برنامه نویسی چیست؟</a:t>
+            </a:r>
+          </a:p>
+          <a:p>
+            <a:pPr marL="0" indent="0">
+              <a:buNone/>
+            </a:pPr>
+            <a:r>
+              <a:rPr lang="fa-IR" dirty="0" smtClean="0"/>
+              <a:t>14- فرم </a:t>
+            </a:r>
+            <a:r>
+              <a:rPr lang="fa-IR" dirty="0"/>
+              <a:t>چیست؟ کنترل چیست؟ 3 نمونه کنترل نام ببرید</a:t>
+            </a:r>
+            <a:r>
+              <a:rPr lang="fa-IR" dirty="0" smtClean="0"/>
+              <a:t>.</a:t>
+            </a:r>
+          </a:p>
+          <a:p>
+            <a:pPr marL="0" indent="0">
+              <a:buNone/>
+            </a:pPr>
+            <a:r>
+              <a:rPr lang="fa-IR" dirty="0" smtClean="0"/>
+              <a:t>15- برای </a:t>
+            </a:r>
+            <a:r>
+              <a:rPr lang="fa-IR" dirty="0"/>
+              <a:t>بستن برنامه در </a:t>
+            </a:r>
+            <a:r>
+              <a:rPr lang="en-US" dirty="0"/>
+              <a:t>C#</a:t>
+            </a:r>
+            <a:r>
+              <a:rPr lang="fa-IR" dirty="0"/>
+              <a:t> از چه کدی استفاده می شود</a:t>
+            </a:r>
+            <a:r>
+              <a:rPr lang="fa-IR" dirty="0" smtClean="0"/>
+              <a:t>؟</a:t>
+            </a:r>
+          </a:p>
+          <a:p>
+            <a:pPr marL="0" indent="0">
+              <a:buNone/>
+            </a:pPr>
+            <a:r>
+              <a:rPr lang="fa-IR" dirty="0" smtClean="0"/>
+              <a:t>16- کدی </a:t>
+            </a:r>
+            <a:r>
+              <a:rPr lang="fa-IR" dirty="0"/>
+              <a:t>بنویسید که 2 عدد اعشاری را با هم ضرب کند و نتیجه را تا 2 رقم اعشار نمایش دهد.</a:t>
             </a:r>
           </a:p>
           <a:p>
             <a:pPr marL="457200" indent="-457200">
               <a:buFont typeface="+mj-lt"/>
-              <a:buAutoNum type="arabicPeriod"/>
+              <a:buAutoNum type="arabicPeriod" startAt="7"/>
             </a:pPr>
-            <a:r>
-              <a:rPr lang="fa-IR" dirty="0" smtClean="0"/>
-              <a:t>نام اصلی ترین نرم افزار برای برنامه نویسی </a:t>
-            </a:r>
-            <a:r>
-              <a:rPr lang="en-US" dirty="0" smtClean="0"/>
-              <a:t>C#</a:t>
-            </a:r>
-            <a:r>
-              <a:rPr lang="fa-IR" dirty="0" smtClean="0"/>
-              <a:t> چیست؟</a:t>
-            </a:r>
+            <a:endParaRPr lang="fa-IR" dirty="0"/>
           </a:p>
           <a:p>
             <a:pPr marL="457200" indent="-457200">
               <a:buFont typeface="+mj-lt"/>
-              <a:buAutoNum type="arabicPeriod"/>
+              <a:buAutoNum type="arabicPeriod" startAt="7"/>
             </a:pPr>
-            <a:r>
-              <a:rPr lang="fa-IR" dirty="0" smtClean="0"/>
-              <a:t>برای ایجاد برنامه ویندوزی در </a:t>
-            </a:r>
-            <a:r>
-              <a:rPr lang="en-US" dirty="0" smtClean="0"/>
-              <a:t>VS</a:t>
-            </a:r>
-            <a:r>
-              <a:rPr lang="fa-IR" dirty="0" smtClean="0"/>
-              <a:t> باید کدام گزینه را موقع تعریف پروژه انتخاب کرد؟</a:t>
-            </a:r>
-          </a:p>
-          <a:p>
-            <a:pPr marL="457200" indent="-457200">
-              <a:buFont typeface="+mj-lt"/>
-              <a:buAutoNum type="arabicPeriod"/>
-            </a:pPr>
-            <a:r>
-              <a:rPr lang="fa-IR" dirty="0" smtClean="0"/>
-              <a:t>سه پنجره اصلی در نرم افزار </a:t>
-            </a:r>
-            <a:r>
-              <a:rPr lang="en-US" dirty="0" smtClean="0"/>
-              <a:t>VS</a:t>
-            </a:r>
-            <a:r>
-              <a:rPr lang="fa-IR" dirty="0" smtClean="0"/>
-              <a:t> را نام ببرید و کاربرد هر یک تا مختصر توضیح دهید؟</a:t>
-            </a:r>
-          </a:p>
-          <a:p>
-            <a:pPr marL="457200" indent="-457200">
-              <a:buFont typeface="+mj-lt"/>
-              <a:buAutoNum type="arabicPeriod"/>
-            </a:pPr>
-            <a:r>
-              <a:rPr lang="fa-IR" dirty="0" smtClean="0"/>
-              <a:t>برای اجرای یک برنامه در </a:t>
-            </a:r>
-            <a:r>
-              <a:rPr lang="en-US" dirty="0" smtClean="0"/>
-              <a:t>VS</a:t>
-            </a:r>
-            <a:r>
-              <a:rPr lang="fa-IR" dirty="0" smtClean="0"/>
-              <a:t> باید چه کاری کرد؟</a:t>
-            </a:r>
-          </a:p>
-          <a:p>
-            <a:pPr marL="457200" indent="-457200">
-              <a:buFont typeface="+mj-lt"/>
-              <a:buAutoNum type="arabicPeriod"/>
-            </a:pPr>
-            <a:r>
-              <a:rPr lang="fa-IR" dirty="0" smtClean="0"/>
-              <a:t>فرم چیست؟ کنترل چیست؟ 3 نمونه کنترل نام ببرید.</a:t>
-            </a:r>
-          </a:p>
-          <a:p>
-            <a:pPr marL="457200" indent="-457200">
-              <a:buFont typeface="+mj-lt"/>
-              <a:buAutoNum type="arabicPeriod"/>
-            </a:pPr>
-            <a:r>
-              <a:rPr lang="fa-IR" dirty="0" smtClean="0"/>
-              <a:t>تفاوت ویژگی </a:t>
-            </a:r>
-            <a:r>
-              <a:rPr lang="en-US" dirty="0" smtClean="0"/>
-              <a:t>Text</a:t>
-            </a:r>
-            <a:r>
-              <a:rPr lang="fa-IR" dirty="0" smtClean="0"/>
-              <a:t> و </a:t>
-            </a:r>
-            <a:r>
-              <a:rPr lang="en-US" dirty="0" smtClean="0"/>
-              <a:t>Name</a:t>
-            </a:r>
-            <a:r>
-              <a:rPr lang="fa-IR" dirty="0" smtClean="0"/>
-              <a:t> یک </a:t>
-            </a:r>
-            <a:r>
-              <a:rPr lang="en-US" dirty="0" smtClean="0"/>
-              <a:t>Button </a:t>
-            </a:r>
-            <a:r>
-              <a:rPr lang="fa-IR" dirty="0"/>
-              <a:t> </a:t>
-            </a:r>
-            <a:r>
-              <a:rPr lang="fa-IR" dirty="0" smtClean="0"/>
-              <a:t>چیست؟</a:t>
-            </a:r>
-          </a:p>
-          <a:p>
-            <a:endParaRPr lang="en-US" dirty="0"/>
+            <a:endParaRPr lang="fa-IR" dirty="0" smtClean="0"/>
           </a:p>
         </p:txBody>
       </p:sp>
     </p:spTree>
     <p:extLst>
       <p:ext uri="{BB962C8B-B14F-4D97-AF65-F5344CB8AC3E}">
-        <p14:creationId xmlns:p14="http://schemas.microsoft.com/office/powerpoint/2010/main" val="1759880603"/>
+        <p14:creationId xmlns:p14="http://schemas.microsoft.com/office/powerpoint/2010/main" val="157721162"/>
       </p:ext>
     </p:extLst>
   </p:cSld>
@@ -16851,98 +18245,107 @@
         </p:spPr>
         <p:txBody>
           <a:bodyPr>
-            <a:normAutofit lnSpcReduction="10000"/>
+            <a:normAutofit/>
           </a:bodyPr>
           <a:lstStyle/>
           <a:p>
             <a:r>
               <a:rPr lang="fa-IR" dirty="0" smtClean="0"/>
-              <a:t>ادامه سوالات سری 1</a:t>
-            </a:r>
+              <a:t>ادامه سری 1 (ازمون1)</a:t>
+            </a:r>
+          </a:p>
+          <a:p>
+            <a:pPr marL="0" indent="0">
+              <a:buNone/>
+            </a:pPr>
+            <a:r>
+              <a:rPr lang="fa-IR" dirty="0" smtClean="0"/>
+              <a:t>17- </a:t>
+            </a:r>
+            <a:r>
+              <a:rPr lang="fa-IR" dirty="0"/>
+              <a:t>کد زیر چه خطاهایی دارد</a:t>
+            </a:r>
+          </a:p>
+          <a:p>
+            <a:pPr marL="0" indent="0" algn="l" rtl="0">
+              <a:lnSpc>
+                <a:spcPct val="100000"/>
+              </a:lnSpc>
+              <a:spcBef>
+                <a:spcPts val="0"/>
+              </a:spcBef>
+              <a:spcAft>
+                <a:spcPts val="0"/>
+              </a:spcAft>
+              <a:buNone/>
+            </a:pPr>
+            <a:r>
+              <a:rPr lang="en-US" dirty="0" err="1"/>
+              <a:t>int</a:t>
+            </a:r>
+            <a:r>
+              <a:rPr lang="en-US" dirty="0"/>
+              <a:t> n;</a:t>
+            </a:r>
+          </a:p>
+          <a:p>
+            <a:pPr marL="0" indent="0" algn="l" rtl="0">
+              <a:lnSpc>
+                <a:spcPct val="100000"/>
+              </a:lnSpc>
+              <a:spcBef>
+                <a:spcPts val="0"/>
+              </a:spcBef>
+              <a:spcAft>
+                <a:spcPts val="0"/>
+              </a:spcAft>
+              <a:buNone/>
+            </a:pPr>
+            <a:r>
+              <a:rPr lang="en-US" dirty="0"/>
+              <a:t>n=1</a:t>
+            </a:r>
+            <a:endParaRPr lang="fa-IR" dirty="0"/>
+          </a:p>
+          <a:p>
+            <a:pPr marL="0" indent="0" algn="l" rtl="0">
+              <a:lnSpc>
+                <a:spcPct val="100000"/>
+              </a:lnSpc>
+              <a:spcBef>
+                <a:spcPts val="0"/>
+              </a:spcBef>
+              <a:spcAft>
+                <a:spcPts val="0"/>
+              </a:spcAft>
+              <a:buNone/>
+            </a:pPr>
+            <a:r>
+              <a:rPr lang="en-US" dirty="0"/>
+              <a:t>m =    n+1;</a:t>
+            </a:r>
+            <a:endParaRPr lang="fa-IR" dirty="0"/>
+          </a:p>
+          <a:p>
+            <a:pPr marL="0" indent="0">
+              <a:buNone/>
+            </a:pPr>
+            <a:endParaRPr lang="fa-IR" dirty="0"/>
           </a:p>
           <a:p>
             <a:pPr marL="457200" indent="-457200">
               <a:buFont typeface="+mj-lt"/>
               <a:buAutoNum type="arabicPeriod" startAt="7"/>
             </a:pPr>
-            <a:r>
-              <a:rPr lang="fa-IR" dirty="0" smtClean="0"/>
-              <a:t>فرض کنید با کلیک روی یک دکمه، حاصل جمع دو عدد نمایش داده می شود. برای نام این دکمه (خاصیت</a:t>
-            </a:r>
-            <a:r>
-              <a:rPr lang="en-US" dirty="0" smtClean="0"/>
-              <a:t> </a:t>
-            </a:r>
-            <a:r>
-              <a:rPr lang="fa-IR" dirty="0" smtClean="0"/>
-              <a:t> </a:t>
-            </a:r>
-            <a:r>
-              <a:rPr lang="en-US" dirty="0" smtClean="0"/>
-              <a:t>Name</a:t>
-            </a:r>
-            <a:r>
-              <a:rPr lang="fa-IR" dirty="0" smtClean="0"/>
-              <a:t>) چه پیشنهادی دارید؟</a:t>
-            </a:r>
-          </a:p>
-          <a:p>
-            <a:pPr marL="457200" indent="-457200">
-              <a:buFont typeface="+mj-lt"/>
-              <a:buAutoNum type="arabicPeriod" startAt="7"/>
-            </a:pPr>
-            <a:r>
-              <a:rPr lang="fa-IR" dirty="0" smtClean="0"/>
-              <a:t>برای اینکه وارد محیط کدنویسی یک دکمه شویم باید چکار کنیم؟</a:t>
-            </a:r>
-          </a:p>
-          <a:p>
-            <a:pPr marL="457200" indent="-457200">
-              <a:buFont typeface="+mj-lt"/>
-              <a:buAutoNum type="arabicPeriod" startAt="7"/>
-            </a:pPr>
-            <a:r>
-              <a:rPr lang="fa-IR" dirty="0" smtClean="0"/>
-              <a:t>وقتی در محیط کدنویسی قرار داریم، چگونه می توانیم وارد محیط طراحی شویم؟</a:t>
-            </a:r>
-          </a:p>
-          <a:p>
-            <a:pPr marL="457200" indent="-457200">
-              <a:buFont typeface="+mj-lt"/>
-              <a:buAutoNum type="arabicPeriod" startAt="7"/>
-            </a:pPr>
-            <a:r>
-              <a:rPr lang="fa-IR" dirty="0" smtClean="0"/>
-              <a:t>منظور از یک بلوک در برنامه نویسی چیست؟</a:t>
-            </a:r>
-          </a:p>
-          <a:p>
-            <a:pPr marL="457200" indent="-457200">
-              <a:buFont typeface="+mj-lt"/>
-              <a:buAutoNum type="arabicPeriod" startAt="7"/>
-            </a:pPr>
-            <a:r>
-              <a:rPr lang="fa-IR" dirty="0" smtClean="0"/>
-              <a:t>یک خط کد بنویسید که پیام </a:t>
-            </a:r>
-            <a:r>
-              <a:rPr lang="en-US" dirty="0" smtClean="0"/>
-              <a:t>“hello”</a:t>
-            </a:r>
-            <a:r>
-              <a:rPr lang="fa-IR" dirty="0" smtClean="0"/>
-              <a:t> را نمایش دهد.</a:t>
-            </a:r>
-          </a:p>
-          <a:p>
-            <a:endParaRPr lang="en-US" dirty="0"/>
+            <a:endParaRPr lang="fa-IR" dirty="0" smtClean="0"/>
           </a:p>
         </p:txBody>
       </p:sp>
     </p:spTree>
     <p:extLst>
       <p:ext uri="{BB962C8B-B14F-4D97-AF65-F5344CB8AC3E}">
-        <p14:creationId xmlns:p14="http://schemas.microsoft.com/office/powerpoint/2010/main" val="157721162"/>
+        <p14:creationId xmlns:p14="http://schemas.microsoft.com/office/powerpoint/2010/main" val="4010031478"/>
       </p:ext>
     </p:extLst>
   </p:cSld>
@@ -16960,377 +18363,6 @@
 </file>
 
 <file path=ppt/slides/slide7.xml><?xml version="1.0" encoding="utf-8"?>
-<p:sld xmlns:a="http://schemas.openxmlformats.org/drawingml/2006/main" xmlns:r="http://schemas.openxmlformats.org/officeDocument/2006/relationships" xmlns:p="http://schemas.openxmlformats.org/presentationml/2006/main">
-  <p:cSld>
-    <p:spTree>
-      <p:nvGrpSpPr>
-        <p:cNvPr id="1" name=""/>
-        <p:cNvGrpSpPr/>
-        <p:nvPr/>
-      </p:nvGrpSpPr>
-      <p:grpSpPr>
-        <a:xfrm>
-          <a:off x="0" y="0"/>
-          <a:ext cx="0" cy="0"/>
-          <a:chOff x="0" y="0"/>
-          <a:chExt cx="0" cy="0"/>
-        </a:xfrm>
-      </p:grpSpPr>
-      <p:sp>
-        <p:nvSpPr>
-          <p:cNvPr id="2" name="Title 1"/>
-          <p:cNvSpPr>
-            <a:spLocks noGrp="1"/>
-          </p:cNvSpPr>
-          <p:nvPr>
-            <p:ph type="title"/>
-          </p:nvPr>
-        </p:nvSpPr>
-        <p:spPr/>
-        <p:txBody>
-          <a:bodyPr/>
-          <a:lstStyle/>
-          <a:p>
-            <a:r>
-              <a:rPr lang="fa-IR" dirty="0" smtClean="0"/>
-              <a:t>پرسش</a:t>
-            </a:r>
-            <a:endParaRPr lang="en-US" dirty="0"/>
-          </a:p>
-        </p:txBody>
-      </p:sp>
-      <p:sp>
-        <p:nvSpPr>
-          <p:cNvPr id="3" name="Content Placeholder 2"/>
-          <p:cNvSpPr>
-            <a:spLocks noGrp="1"/>
-          </p:cNvSpPr>
-          <p:nvPr>
-            <p:ph idx="1"/>
-          </p:nvPr>
-        </p:nvSpPr>
-        <p:spPr>
-          <a:xfrm>
-            <a:off x="561110" y="2279374"/>
-            <a:ext cx="11082593" cy="4578625"/>
-          </a:xfrm>
-        </p:spPr>
-        <p:txBody>
-          <a:bodyPr>
-            <a:normAutofit fontScale="92500" lnSpcReduction="10000"/>
-          </a:bodyPr>
-          <a:lstStyle/>
-          <a:p>
-            <a:r>
-              <a:rPr lang="fa-IR" dirty="0" smtClean="0"/>
-              <a:t>ادامه سوالات سری 1</a:t>
-            </a:r>
-          </a:p>
-          <a:p>
-            <a:pPr marL="457200" indent="-457200">
-              <a:buFont typeface="+mj-lt"/>
-              <a:buAutoNum type="arabicPeriod" startAt="12"/>
-            </a:pPr>
-            <a:r>
-              <a:rPr lang="fa-IR" dirty="0" smtClean="0"/>
-              <a:t>برای بستن برنامه در </a:t>
-            </a:r>
-            <a:r>
-              <a:rPr lang="en-US" dirty="0" smtClean="0"/>
-              <a:t>C#</a:t>
-            </a:r>
-            <a:r>
-              <a:rPr lang="fa-IR" dirty="0" smtClean="0"/>
-              <a:t> از چه کدی استفاده می شود؟</a:t>
-            </a:r>
-          </a:p>
-          <a:p>
-            <a:pPr marL="457200" indent="-457200">
-              <a:buFont typeface="+mj-lt"/>
-              <a:buAutoNum type="arabicPeriod" startAt="12"/>
-            </a:pPr>
-            <a:r>
-              <a:rPr lang="fa-IR" dirty="0" smtClean="0"/>
-              <a:t>در مثال زیر </a:t>
-            </a:r>
-            <a:r>
-              <a:rPr lang="en-US" dirty="0" smtClean="0"/>
-              <a:t>n</a:t>
-            </a:r>
-            <a:r>
-              <a:rPr lang="fa-IR" dirty="0" smtClean="0"/>
-              <a:t> در نهایت برابر چند خواهد شد؟</a:t>
-            </a:r>
-          </a:p>
-          <a:p>
-            <a:pPr marL="0" indent="0" algn="l" rtl="0">
-              <a:lnSpc>
-                <a:spcPct val="110000"/>
-              </a:lnSpc>
-              <a:spcBef>
-                <a:spcPts val="0"/>
-              </a:spcBef>
-              <a:spcAft>
-                <a:spcPts val="0"/>
-              </a:spcAft>
-              <a:buNone/>
-            </a:pPr>
-            <a:r>
-              <a:rPr lang="en-US" sz="2000" dirty="0" err="1" smtClean="0"/>
-              <a:t>int</a:t>
-            </a:r>
-            <a:r>
-              <a:rPr lang="en-US" sz="2000" dirty="0" smtClean="0"/>
-              <a:t> n=10;</a:t>
-            </a:r>
-          </a:p>
-          <a:p>
-            <a:pPr marL="0" indent="0" algn="l" rtl="0">
-              <a:lnSpc>
-                <a:spcPct val="110000"/>
-              </a:lnSpc>
-              <a:spcBef>
-                <a:spcPts val="0"/>
-              </a:spcBef>
-              <a:spcAft>
-                <a:spcPts val="0"/>
-              </a:spcAft>
-              <a:buNone/>
-            </a:pPr>
-            <a:r>
-              <a:rPr lang="en-US" sz="2000" dirty="0" smtClean="0"/>
-              <a:t>n=n+n-1;</a:t>
-            </a:r>
-          </a:p>
-          <a:p>
-            <a:pPr marL="0" indent="0" algn="l" rtl="0">
-              <a:lnSpc>
-                <a:spcPct val="110000"/>
-              </a:lnSpc>
-              <a:spcBef>
-                <a:spcPts val="0"/>
-              </a:spcBef>
-              <a:spcAft>
-                <a:spcPts val="0"/>
-              </a:spcAft>
-              <a:buNone/>
-            </a:pPr>
-            <a:r>
-              <a:rPr lang="en-US" sz="2000" dirty="0" smtClean="0"/>
-              <a:t>n ++;</a:t>
-            </a:r>
-            <a:endParaRPr lang="fa-IR" sz="2000" dirty="0" smtClean="0"/>
-          </a:p>
-          <a:p>
-            <a:pPr marL="457200" indent="-457200">
-              <a:buFont typeface="+mj-lt"/>
-              <a:buAutoNum type="arabicPeriod" startAt="14"/>
-            </a:pPr>
-            <a:r>
-              <a:rPr lang="fa-IR" dirty="0" smtClean="0"/>
-              <a:t>کد زیر چه خطایی دارد؟</a:t>
-            </a:r>
-          </a:p>
-          <a:p>
-            <a:pPr marL="0" indent="0" algn="l" rtl="0">
-              <a:lnSpc>
-                <a:spcPct val="110000"/>
-              </a:lnSpc>
-              <a:spcBef>
-                <a:spcPts val="0"/>
-              </a:spcBef>
-              <a:spcAft>
-                <a:spcPts val="0"/>
-              </a:spcAft>
-              <a:buNone/>
-            </a:pPr>
-            <a:r>
-              <a:rPr lang="en-US" dirty="0" err="1"/>
-              <a:t>int</a:t>
-            </a:r>
-            <a:r>
-              <a:rPr lang="en-US" dirty="0"/>
-              <a:t> n=10;</a:t>
-            </a:r>
-          </a:p>
-          <a:p>
-            <a:pPr marL="0" indent="0" algn="l" rtl="0">
-              <a:lnSpc>
-                <a:spcPct val="110000"/>
-              </a:lnSpc>
-              <a:spcBef>
-                <a:spcPts val="0"/>
-              </a:spcBef>
-              <a:spcAft>
-                <a:spcPts val="0"/>
-              </a:spcAft>
-              <a:buNone/>
-            </a:pPr>
-            <a:r>
-              <a:rPr lang="en-US" dirty="0" smtClean="0"/>
-              <a:t>n=n-1</a:t>
-            </a:r>
-            <a:endParaRPr lang="en-US" dirty="0"/>
-          </a:p>
-          <a:p>
-            <a:pPr marL="0" indent="0" algn="l" rtl="0">
-              <a:lnSpc>
-                <a:spcPct val="110000"/>
-              </a:lnSpc>
-              <a:spcBef>
-                <a:spcPts val="0"/>
-              </a:spcBef>
-              <a:spcAft>
-                <a:spcPts val="0"/>
-              </a:spcAft>
-              <a:buNone/>
-            </a:pPr>
-            <a:r>
-              <a:rPr lang="en-US" dirty="0" smtClean="0"/>
-              <a:t>m = n+2;</a:t>
-            </a:r>
-            <a:endParaRPr lang="fa-IR" dirty="0" smtClean="0"/>
-          </a:p>
-          <a:p>
-            <a:pPr marL="0" indent="0">
-              <a:buNone/>
-            </a:pPr>
-            <a:endParaRPr lang="fa-IR" dirty="0" smtClean="0"/>
-          </a:p>
-          <a:p>
-            <a:endParaRPr lang="en-US" dirty="0"/>
-          </a:p>
-        </p:txBody>
-      </p:sp>
-    </p:spTree>
-    <p:extLst>
-      <p:ext uri="{BB962C8B-B14F-4D97-AF65-F5344CB8AC3E}">
-        <p14:creationId xmlns:p14="http://schemas.microsoft.com/office/powerpoint/2010/main" val="3807669656"/>
-      </p:ext>
-    </p:extLst>
-  </p:cSld>
-  <p:clrMapOvr>
-    <a:masterClrMapping/>
-  </p:clrMapOvr>
-  <p:timing>
-    <p:tnLst>
-      <p:par>
-        <p:cTn id="1" dur="indefinite" restart="never" nodeType="tmRoot"/>
-      </p:par>
-    </p:tnLst>
-  </p:timing>
-</p:sld>
-</file>
-
-<file path=ppt/slides/slide8.xml><?xml version="1.0" encoding="utf-8"?>
-<p:sld xmlns:a="http://schemas.openxmlformats.org/drawingml/2006/main" xmlns:r="http://schemas.openxmlformats.org/officeDocument/2006/relationships" xmlns:p="http://schemas.openxmlformats.org/presentationml/2006/main">
-  <p:cSld>
-    <p:spTree>
-      <p:nvGrpSpPr>
-        <p:cNvPr id="1" name=""/>
-        <p:cNvGrpSpPr/>
-        <p:nvPr/>
-      </p:nvGrpSpPr>
-      <p:grpSpPr>
-        <a:xfrm>
-          <a:off x="0" y="0"/>
-          <a:ext cx="0" cy="0"/>
-          <a:chOff x="0" y="0"/>
-          <a:chExt cx="0" cy="0"/>
-        </a:xfrm>
-      </p:grpSpPr>
-      <p:sp>
-        <p:nvSpPr>
-          <p:cNvPr id="2" name="Title 1"/>
-          <p:cNvSpPr>
-            <a:spLocks noGrp="1"/>
-          </p:cNvSpPr>
-          <p:nvPr>
-            <p:ph type="title"/>
-          </p:nvPr>
-        </p:nvSpPr>
-        <p:spPr/>
-        <p:txBody>
-          <a:bodyPr/>
-          <a:lstStyle/>
-          <a:p>
-            <a:r>
-              <a:rPr lang="fa-IR" dirty="0" smtClean="0"/>
-              <a:t>پرسش</a:t>
-            </a:r>
-            <a:endParaRPr lang="en-US" dirty="0"/>
-          </a:p>
-        </p:txBody>
-      </p:sp>
-      <p:sp>
-        <p:nvSpPr>
-          <p:cNvPr id="3" name="Content Placeholder 2"/>
-          <p:cNvSpPr>
-            <a:spLocks noGrp="1"/>
-          </p:cNvSpPr>
-          <p:nvPr>
-            <p:ph idx="1"/>
-          </p:nvPr>
-        </p:nvSpPr>
-        <p:spPr>
-          <a:xfrm>
-            <a:off x="561110" y="2279374"/>
-            <a:ext cx="11082593" cy="4578625"/>
-          </a:xfrm>
-        </p:spPr>
-        <p:txBody>
-          <a:bodyPr>
-            <a:normAutofit/>
-          </a:bodyPr>
-          <a:lstStyle/>
-          <a:p>
-            <a:r>
-              <a:rPr lang="fa-IR" dirty="0" smtClean="0"/>
-              <a:t>ادامه سوالات سری 1</a:t>
-            </a:r>
-          </a:p>
-          <a:p>
-            <a:pPr marL="457200" indent="-457200">
-              <a:buFont typeface="+mj-lt"/>
-              <a:buAutoNum type="arabicPeriod" startAt="15"/>
-            </a:pPr>
-            <a:r>
-              <a:rPr lang="fa-IR" dirty="0" smtClean="0"/>
-              <a:t>کدی بنویسید که 2 عدد اعشاری را با هم ضرب کند و نتیجه را تا 2 رقم اعشار نمایش دهد.</a:t>
-            </a:r>
-          </a:p>
-          <a:p>
-            <a:pPr marL="0" indent="0">
-              <a:buNone/>
-            </a:pPr>
-            <a:endParaRPr lang="fa-IR" dirty="0" smtClean="0"/>
-          </a:p>
-          <a:p>
-            <a:endParaRPr lang="en-US" dirty="0"/>
-          </a:p>
-        </p:txBody>
-      </p:sp>
-    </p:spTree>
-    <p:extLst>
-      <p:ext uri="{BB962C8B-B14F-4D97-AF65-F5344CB8AC3E}">
-        <p14:creationId xmlns:p14="http://schemas.microsoft.com/office/powerpoint/2010/main" val="1526003035"/>
-      </p:ext>
-    </p:extLst>
-  </p:cSld>
-  <p:clrMapOvr>
-    <a:masterClrMapping/>
-  </p:clrMapOvr>
-  <p:timing>
-    <p:tnLst>
-      <p:par>
-        <p:cTn id="1" dur="indefinite" restart="never" nodeType="tmRoot"/>
-      </p:par>
-    </p:tnLst>
-  </p:timing>
-</p:sld>
-</file>
-
-<file path=ppt/slides/slide9.xml><?xml version="1.0" encoding="utf-8"?>
 <p:sld xmlns:a="http://schemas.openxmlformats.org/drawingml/2006/main" xmlns:r="http://schemas.openxmlformats.org/officeDocument/2006/relationships" xmlns:p="http://schemas.openxmlformats.org/presentationml/2006/main">
   <p:cSld>
     <p:spTree>
@@ -17573,6 +18605,534 @@
     <p:extLst>
       <p:ext uri="{BB962C8B-B14F-4D97-AF65-F5344CB8AC3E}">
         <p14:creationId xmlns:p14="http://schemas.microsoft.com/office/powerpoint/2010/main" val="1785741583"/>
+      </p:ext>
+    </p:extLst>
+  </p:cSld>
+  <p:clrMapOvr>
+    <a:masterClrMapping/>
+  </p:clrMapOvr>
+  <p:timing>
+    <p:tnLst>
+      <p:par>
+        <p:cTn id="1" dur="indefinite" restart="never" nodeType="tmRoot"/>
+      </p:par>
+    </p:tnLst>
+  </p:timing>
+</p:sld>
+</file>
+
+<file path=ppt/slides/slide8.xml><?xml version="1.0" encoding="utf-8"?>
+<p:sld xmlns:a="http://schemas.openxmlformats.org/drawingml/2006/main" xmlns:r="http://schemas.openxmlformats.org/officeDocument/2006/relationships" xmlns:p="http://schemas.openxmlformats.org/presentationml/2006/main">
+  <p:cSld>
+    <p:spTree>
+      <p:nvGrpSpPr>
+        <p:cNvPr id="1" name=""/>
+        <p:cNvGrpSpPr/>
+        <p:nvPr/>
+      </p:nvGrpSpPr>
+      <p:grpSpPr>
+        <a:xfrm>
+          <a:off x="0" y="0"/>
+          <a:ext cx="0" cy="0"/>
+          <a:chOff x="0" y="0"/>
+          <a:chExt cx="0" cy="0"/>
+        </a:xfrm>
+      </p:grpSpPr>
+      <p:sp>
+        <p:nvSpPr>
+          <p:cNvPr id="3" name="Content Placeholder 2"/>
+          <p:cNvSpPr>
+            <a:spLocks noGrp="1"/>
+          </p:cNvSpPr>
+          <p:nvPr>
+            <p:ph idx="1"/>
+          </p:nvPr>
+        </p:nvSpPr>
+        <p:spPr>
+          <a:xfrm>
+            <a:off x="561110" y="2305878"/>
+            <a:ext cx="11082593" cy="4552121"/>
+          </a:xfrm>
+        </p:spPr>
+        <p:txBody>
+          <a:bodyPr>
+            <a:normAutofit lnSpcReduction="10000"/>
+          </a:bodyPr>
+          <a:lstStyle/>
+          <a:p>
+            <a:r>
+              <a:rPr lang="fa-IR" sz="2800" dirty="0" smtClean="0"/>
+              <a:t>ادامه سری ۲</a:t>
+            </a:r>
+          </a:p>
+          <a:p>
+            <a:pPr marL="0" indent="0">
+              <a:buNone/>
+            </a:pPr>
+            <a:r>
+              <a:rPr lang="fa-IR" dirty="0" smtClean="0"/>
+              <a:t>5- متغیر داده ای برای زمان چیست؟</a:t>
+            </a:r>
+          </a:p>
+          <a:p>
+            <a:pPr marL="0" indent="0">
+              <a:buNone/>
+            </a:pPr>
+            <a:r>
+              <a:rPr lang="fa-IR" dirty="0" smtClean="0"/>
+              <a:t>6- کد زیر را اصلاح کنید؟</a:t>
+            </a:r>
+          </a:p>
+          <a:p>
+            <a:pPr marL="0" indent="0" algn="l">
+              <a:buNone/>
+            </a:pPr>
+            <a:r>
+              <a:rPr lang="en-US" dirty="0" err="1" smtClean="0"/>
+              <a:t>MessageBox.Show</a:t>
+            </a:r>
+            <a:r>
+              <a:rPr lang="en-US" dirty="0" smtClean="0"/>
+              <a:t>(</a:t>
+            </a:r>
+            <a:r>
+              <a:rPr lang="en-US" dirty="0" err="1" smtClean="0"/>
+              <a:t>DateTime.Now</a:t>
+            </a:r>
+            <a:r>
+              <a:rPr lang="en-US" dirty="0" smtClean="0"/>
+              <a:t>);</a:t>
+            </a:r>
+            <a:endParaRPr lang="fa-IR" dirty="0" smtClean="0"/>
+          </a:p>
+          <a:p>
+            <a:pPr marL="0" indent="0">
+              <a:buNone/>
+            </a:pPr>
+            <a:r>
+              <a:rPr lang="en-US" sz="2200" dirty="0" smtClean="0"/>
+              <a:t> </a:t>
+            </a:r>
+            <a:r>
+              <a:rPr lang="fa-IR" dirty="0"/>
+              <a:t>7-کد زیر چه خطایی دارد؟</a:t>
+            </a:r>
+          </a:p>
+          <a:p>
+            <a:pPr marL="0" indent="0" algn="l" rtl="0">
+              <a:lnSpc>
+                <a:spcPct val="120000"/>
+              </a:lnSpc>
+              <a:buNone/>
+            </a:pPr>
+            <a:r>
+              <a:rPr lang="en-US" sz="2200" dirty="0" smtClean="0"/>
+              <a:t>double m: </a:t>
+            </a:r>
+            <a:r>
+              <a:rPr lang="en-US" sz="2200" dirty="0" err="1" smtClean="0"/>
+              <a:t>DateTime.Now.Month</a:t>
+            </a:r>
+            <a:r>
+              <a:rPr lang="en-US" sz="2200" dirty="0" smtClean="0"/>
+              <a:t>;</a:t>
+            </a:r>
+          </a:p>
+          <a:p>
+            <a:pPr marL="0" indent="0" algn="l" rtl="0">
+              <a:lnSpc>
+                <a:spcPct val="120000"/>
+              </a:lnSpc>
+              <a:buNone/>
+            </a:pPr>
+            <a:r>
+              <a:rPr lang="en-US" sz="2200" dirty="0" smtClean="0"/>
+              <a:t>string n= m+1</a:t>
+            </a:r>
+            <a:endParaRPr lang="en-US" sz="2200" dirty="0"/>
+          </a:p>
+        </p:txBody>
+      </p:sp>
+      <p:sp>
+        <p:nvSpPr>
+          <p:cNvPr id="6" name="Title 1"/>
+          <p:cNvSpPr>
+            <a:spLocks noGrp="1"/>
+          </p:cNvSpPr>
+          <p:nvPr>
+            <p:ph type="title"/>
+          </p:nvPr>
+        </p:nvSpPr>
+        <p:spPr>
+          <a:xfrm>
+            <a:off x="1154954" y="973668"/>
+            <a:ext cx="8761413" cy="706964"/>
+          </a:xfrm>
+        </p:spPr>
+        <p:txBody>
+          <a:bodyPr/>
+          <a:lstStyle/>
+          <a:p>
+            <a:r>
+              <a:rPr lang="fa-IR" dirty="0" smtClean="0"/>
+              <a:t>پرسش</a:t>
+            </a:r>
+            <a:endParaRPr lang="en-US" dirty="0"/>
+          </a:p>
+        </p:txBody>
+      </p:sp>
+    </p:spTree>
+    <p:extLst>
+      <p:ext uri="{BB962C8B-B14F-4D97-AF65-F5344CB8AC3E}">
+        <p14:creationId xmlns:p14="http://schemas.microsoft.com/office/powerpoint/2010/main" val="1492274913"/>
+      </p:ext>
+    </p:extLst>
+  </p:cSld>
+  <p:clrMapOvr>
+    <a:masterClrMapping/>
+  </p:clrMapOvr>
+  <p:timing>
+    <p:tnLst>
+      <p:par>
+        <p:cTn id="1" dur="indefinite" restart="never" nodeType="tmRoot"/>
+      </p:par>
+    </p:tnLst>
+  </p:timing>
+</p:sld>
+</file>
+
+<file path=ppt/slides/slide9.xml><?xml version="1.0" encoding="utf-8"?>
+<p:sld xmlns:a="http://schemas.openxmlformats.org/drawingml/2006/main" xmlns:r="http://schemas.openxmlformats.org/officeDocument/2006/relationships" xmlns:p="http://schemas.openxmlformats.org/presentationml/2006/main">
+  <p:cSld>
+    <p:spTree>
+      <p:nvGrpSpPr>
+        <p:cNvPr id="1" name=""/>
+        <p:cNvGrpSpPr/>
+        <p:nvPr/>
+      </p:nvGrpSpPr>
+      <p:grpSpPr>
+        <a:xfrm>
+          <a:off x="0" y="0"/>
+          <a:ext cx="0" cy="0"/>
+          <a:chOff x="0" y="0"/>
+          <a:chExt cx="0" cy="0"/>
+        </a:xfrm>
+      </p:grpSpPr>
+      <p:sp>
+        <p:nvSpPr>
+          <p:cNvPr id="2" name="Title 1"/>
+          <p:cNvSpPr>
+            <a:spLocks noGrp="1"/>
+          </p:cNvSpPr>
+          <p:nvPr>
+            <p:ph type="title"/>
+          </p:nvPr>
+        </p:nvSpPr>
+        <p:spPr/>
+        <p:txBody>
+          <a:bodyPr/>
+          <a:lstStyle/>
+          <a:p>
+            <a:r>
+              <a:rPr lang="fa-IR" dirty="0" smtClean="0"/>
+              <a:t>پرسش</a:t>
+            </a:r>
+            <a:endParaRPr lang="en-US" dirty="0"/>
+          </a:p>
+        </p:txBody>
+      </p:sp>
+      <p:sp>
+        <p:nvSpPr>
+          <p:cNvPr id="3" name="Content Placeholder 2"/>
+          <p:cNvSpPr>
+            <a:spLocks noGrp="1"/>
+          </p:cNvSpPr>
+          <p:nvPr>
+            <p:ph idx="1"/>
+          </p:nvPr>
+        </p:nvSpPr>
+        <p:spPr>
+          <a:xfrm>
+            <a:off x="561110" y="2279374"/>
+            <a:ext cx="11082593" cy="4578625"/>
+          </a:xfrm>
+        </p:spPr>
+        <p:txBody>
+          <a:bodyPr>
+            <a:normAutofit lnSpcReduction="10000"/>
+          </a:bodyPr>
+          <a:lstStyle/>
+          <a:p>
+            <a:r>
+              <a:rPr lang="fa-IR" dirty="0" smtClean="0"/>
+              <a:t>سوالات سری 2</a:t>
+            </a:r>
+          </a:p>
+          <a:p>
+            <a:pPr marL="0" indent="0">
+              <a:buNone/>
+            </a:pPr>
+            <a:r>
+              <a:rPr lang="fa-IR" dirty="0" smtClean="0"/>
+              <a:t>8- متغیر رشته ای (متنی) در چه نوع داده ای ذخیره می شود؟</a:t>
+            </a:r>
+          </a:p>
+          <a:p>
+            <a:pPr marL="0" indent="0">
+              <a:buNone/>
+            </a:pPr>
+            <a:r>
+              <a:rPr lang="fa-IR" dirty="0" smtClean="0"/>
+              <a:t>9- نوع داده ای </a:t>
+            </a:r>
+            <a:r>
+              <a:rPr lang="en-US" dirty="0" err="1" smtClean="0"/>
+              <a:t>int</a:t>
+            </a:r>
+            <a:r>
+              <a:rPr lang="fa-IR" dirty="0" smtClean="0"/>
+              <a:t> با </a:t>
+            </a:r>
+            <a:r>
+              <a:rPr lang="en-US" dirty="0" smtClean="0"/>
+              <a:t>double</a:t>
+            </a:r>
+            <a:r>
+              <a:rPr lang="fa-IR" dirty="0" smtClean="0"/>
+              <a:t> چه تفاوتی دارد؟</a:t>
+            </a:r>
+          </a:p>
+          <a:p>
+            <a:pPr marL="0" indent="0">
+              <a:buNone/>
+            </a:pPr>
+            <a:r>
+              <a:rPr lang="fa-IR" dirty="0" smtClean="0"/>
+              <a:t>10- در مثال زیر متغیر </a:t>
+            </a:r>
+            <a:r>
+              <a:rPr lang="en-US" dirty="0" smtClean="0"/>
+              <a:t>n</a:t>
+            </a:r>
+            <a:r>
+              <a:rPr lang="fa-IR" dirty="0" smtClean="0"/>
+              <a:t> برابر چه مقداری است؟</a:t>
+            </a:r>
+          </a:p>
+          <a:p>
+            <a:pPr marL="0" indent="0" algn="l" rtl="0">
+              <a:lnSpc>
+                <a:spcPct val="110000"/>
+              </a:lnSpc>
+              <a:spcBef>
+                <a:spcPts val="0"/>
+              </a:spcBef>
+              <a:spcAft>
+                <a:spcPts val="0"/>
+              </a:spcAft>
+              <a:buNone/>
+            </a:pPr>
+            <a:r>
+              <a:rPr lang="en-US" sz="2000" dirty="0" smtClean="0"/>
+              <a:t>string </a:t>
+            </a:r>
+            <a:r>
+              <a:rPr lang="en-US" sz="2000" dirty="0" err="1" smtClean="0"/>
+              <a:t>str</a:t>
+            </a:r>
+            <a:r>
+              <a:rPr lang="en-US" sz="2000" dirty="0" smtClean="0"/>
+              <a:t>=“</a:t>
+            </a:r>
+            <a:r>
+              <a:rPr lang="en-US" sz="2000" dirty="0" err="1" smtClean="0"/>
+              <a:t>ali</a:t>
+            </a:r>
+            <a:r>
+              <a:rPr lang="en-US" sz="2000" dirty="0" smtClean="0"/>
+              <a:t>”;</a:t>
+            </a:r>
+            <a:endParaRPr lang="en-US" sz="2000" dirty="0"/>
+          </a:p>
+          <a:p>
+            <a:pPr marL="0" indent="0" algn="l" rtl="0">
+              <a:lnSpc>
+                <a:spcPct val="110000"/>
+              </a:lnSpc>
+              <a:spcBef>
+                <a:spcPts val="0"/>
+              </a:spcBef>
+              <a:spcAft>
+                <a:spcPts val="0"/>
+              </a:spcAft>
+              <a:buNone/>
+            </a:pPr>
+            <a:r>
+              <a:rPr lang="en-US" sz="2000" dirty="0" err="1" smtClean="0"/>
+              <a:t>int</a:t>
+            </a:r>
+            <a:r>
+              <a:rPr lang="en-US" sz="2000" dirty="0" smtClean="0"/>
+              <a:t> n=</a:t>
+            </a:r>
+            <a:r>
+              <a:rPr lang="en-US" sz="2000" dirty="0" err="1" smtClean="0"/>
+              <a:t>str.Length</a:t>
+            </a:r>
+            <a:r>
+              <a:rPr lang="en-US" sz="2000" dirty="0" smtClean="0"/>
+              <a:t>;</a:t>
+            </a:r>
+          </a:p>
+          <a:p>
+            <a:pPr marL="0" indent="0">
+              <a:buNone/>
+            </a:pPr>
+            <a:r>
+              <a:rPr lang="fa-IR" dirty="0" smtClean="0"/>
+              <a:t>11- در </a:t>
+            </a:r>
+            <a:r>
+              <a:rPr lang="fa-IR" dirty="0"/>
+              <a:t>مثال زیر متغیر </a:t>
+            </a:r>
+            <a:r>
+              <a:rPr lang="en-US" dirty="0"/>
+              <a:t>n</a:t>
+            </a:r>
+            <a:r>
+              <a:rPr lang="fa-IR" dirty="0"/>
+              <a:t> برابر چه مقداری است؟</a:t>
+            </a:r>
+          </a:p>
+          <a:p>
+            <a:pPr marL="0" indent="0" algn="l" rtl="0">
+              <a:lnSpc>
+                <a:spcPct val="110000"/>
+              </a:lnSpc>
+              <a:spcBef>
+                <a:spcPts val="0"/>
+              </a:spcBef>
+              <a:spcAft>
+                <a:spcPts val="0"/>
+              </a:spcAft>
+              <a:buNone/>
+            </a:pPr>
+            <a:r>
+              <a:rPr lang="en-US" sz="2000" dirty="0" smtClean="0"/>
+              <a:t>string </a:t>
+            </a:r>
+            <a:r>
+              <a:rPr lang="en-US" sz="2000" dirty="0" err="1"/>
+              <a:t>str</a:t>
+            </a:r>
+            <a:r>
+              <a:rPr lang="en-US" sz="2000" dirty="0"/>
+              <a:t>=“</a:t>
+            </a:r>
+            <a:r>
+              <a:rPr lang="en-US" sz="2000" dirty="0" err="1" smtClean="0"/>
+              <a:t>ali</a:t>
+            </a:r>
+            <a:r>
+              <a:rPr lang="en-US" sz="2000" dirty="0" smtClean="0"/>
+              <a:t> </a:t>
+            </a:r>
+            <a:r>
+              <a:rPr lang="en-US" sz="2000" dirty="0" err="1" smtClean="0"/>
+              <a:t>reza</a:t>
+            </a:r>
+            <a:r>
+              <a:rPr lang="en-US" sz="2000" dirty="0" smtClean="0"/>
+              <a:t>”;</a:t>
+            </a:r>
+            <a:endParaRPr lang="en-US" sz="2000" dirty="0"/>
+          </a:p>
+          <a:p>
+            <a:pPr marL="0" indent="0" algn="l" rtl="0">
+              <a:lnSpc>
+                <a:spcPct val="110000"/>
+              </a:lnSpc>
+              <a:spcBef>
+                <a:spcPts val="0"/>
+              </a:spcBef>
+              <a:spcAft>
+                <a:spcPts val="0"/>
+              </a:spcAft>
+              <a:buNone/>
+            </a:pPr>
+            <a:r>
+              <a:rPr lang="en-US" sz="2000" dirty="0" err="1" smtClean="0"/>
+              <a:t>int</a:t>
+            </a:r>
+            <a:r>
+              <a:rPr lang="en-US" sz="2000" dirty="0" smtClean="0"/>
+              <a:t> </a:t>
+            </a:r>
+            <a:r>
+              <a:rPr lang="en-US" sz="2000" dirty="0"/>
+              <a:t>n=</a:t>
+            </a:r>
+            <a:r>
+              <a:rPr lang="en-US" sz="2000" dirty="0" err="1"/>
+              <a:t>str.Length</a:t>
+            </a:r>
+            <a:r>
+              <a:rPr lang="en-US" sz="2000" dirty="0"/>
+              <a:t>;</a:t>
+            </a:r>
+          </a:p>
+          <a:p>
+            <a:pPr marL="0" indent="0" algn="l" rtl="0">
+              <a:lnSpc>
+                <a:spcPct val="110000"/>
+              </a:lnSpc>
+              <a:spcBef>
+                <a:spcPts val="0"/>
+              </a:spcBef>
+              <a:spcAft>
+                <a:spcPts val="0"/>
+              </a:spcAft>
+              <a:buNone/>
+            </a:pPr>
+            <a:endParaRPr lang="en-US" sz="1800" dirty="0"/>
+          </a:p>
+          <a:p>
+            <a:pPr marL="0" indent="0" algn="l" rtl="0">
+              <a:lnSpc>
+                <a:spcPct val="110000"/>
+              </a:lnSpc>
+              <a:spcBef>
+                <a:spcPts val="0"/>
+              </a:spcBef>
+              <a:spcAft>
+                <a:spcPts val="0"/>
+              </a:spcAft>
+              <a:buNone/>
+            </a:pPr>
+            <a:endParaRPr lang="fa-IR" sz="1800" dirty="0"/>
+          </a:p>
+          <a:p>
+            <a:pPr marL="0" indent="0" algn="l" rtl="0">
+              <a:buNone/>
+            </a:pPr>
+            <a:endParaRPr lang="fa-IR" dirty="0" smtClean="0"/>
+          </a:p>
+          <a:p>
+            <a:pPr marL="0" indent="0">
+              <a:buNone/>
+            </a:pPr>
+            <a:endParaRPr lang="fa-IR" dirty="0" smtClean="0"/>
+          </a:p>
+          <a:p>
+            <a:endParaRPr lang="en-US" dirty="0"/>
+          </a:p>
+        </p:txBody>
+      </p:sp>
+    </p:spTree>
+    <p:extLst>
+      <p:ext uri="{BB962C8B-B14F-4D97-AF65-F5344CB8AC3E}">
+        <p14:creationId xmlns:p14="http://schemas.microsoft.com/office/powerpoint/2010/main" val="3030166039"/>
       </p:ext>
     </p:extLst>
   </p:cSld>
